--- a/weekly report.pptx
+++ b/weekly report.pptx
@@ -8,6 +8,9 @@
     <p:sldId id="257" r:id="rId2"/>
     <p:sldId id="259" r:id="rId3"/>
     <p:sldId id="258" r:id="rId4"/>
+    <p:sldId id="260" r:id="rId5"/>
+    <p:sldId id="261" r:id="rId6"/>
+    <p:sldId id="262" r:id="rId7"/>
   </p:sldIdLst>
   <p:sldSz cx="12192000" cy="6858000"/>
   <p:notesSz cx="6858000" cy="9144000"/>
@@ -261,7 +264,7 @@
           <a:p>
             <a:fld id="{B2701F67-69F6-4BB3-966A-260D0646A8B7}" type="datetimeFigureOut">
               <a:rPr lang="en-US" smtClean="0"/>
-              <a:t>10/23/2023</a:t>
+              <a:t>10/25/2023</a:t>
             </a:fld>
             <a:endParaRPr lang="en-US"/>
           </a:p>
@@ -459,7 +462,7 @@
           <a:p>
             <a:fld id="{B2701F67-69F6-4BB3-966A-260D0646A8B7}" type="datetimeFigureOut">
               <a:rPr lang="en-US" smtClean="0"/>
-              <a:t>10/23/2023</a:t>
+              <a:t>10/25/2023</a:t>
             </a:fld>
             <a:endParaRPr lang="en-US"/>
           </a:p>
@@ -667,7 +670,7 @@
           <a:p>
             <a:fld id="{B2701F67-69F6-4BB3-966A-260D0646A8B7}" type="datetimeFigureOut">
               <a:rPr lang="en-US" smtClean="0"/>
-              <a:t>10/23/2023</a:t>
+              <a:t>10/25/2023</a:t>
             </a:fld>
             <a:endParaRPr lang="en-US"/>
           </a:p>
@@ -865,7 +868,7 @@
           <a:p>
             <a:fld id="{B2701F67-69F6-4BB3-966A-260D0646A8B7}" type="datetimeFigureOut">
               <a:rPr lang="en-US" smtClean="0"/>
-              <a:t>10/23/2023</a:t>
+              <a:t>10/25/2023</a:t>
             </a:fld>
             <a:endParaRPr lang="en-US"/>
           </a:p>
@@ -1140,7 +1143,7 @@
           <a:p>
             <a:fld id="{B2701F67-69F6-4BB3-966A-260D0646A8B7}" type="datetimeFigureOut">
               <a:rPr lang="en-US" smtClean="0"/>
-              <a:t>10/23/2023</a:t>
+              <a:t>10/25/2023</a:t>
             </a:fld>
             <a:endParaRPr lang="en-US"/>
           </a:p>
@@ -1405,7 +1408,7 @@
           <a:p>
             <a:fld id="{B2701F67-69F6-4BB3-966A-260D0646A8B7}" type="datetimeFigureOut">
               <a:rPr lang="en-US" smtClean="0"/>
-              <a:t>10/23/2023</a:t>
+              <a:t>10/25/2023</a:t>
             </a:fld>
             <a:endParaRPr lang="en-US"/>
           </a:p>
@@ -1817,7 +1820,7 @@
           <a:p>
             <a:fld id="{B2701F67-69F6-4BB3-966A-260D0646A8B7}" type="datetimeFigureOut">
               <a:rPr lang="en-US" smtClean="0"/>
-              <a:t>10/23/2023</a:t>
+              <a:t>10/25/2023</a:t>
             </a:fld>
             <a:endParaRPr lang="en-US"/>
           </a:p>
@@ -1958,7 +1961,7 @@
           <a:p>
             <a:fld id="{B2701F67-69F6-4BB3-966A-260D0646A8B7}" type="datetimeFigureOut">
               <a:rPr lang="en-US" smtClean="0"/>
-              <a:t>10/23/2023</a:t>
+              <a:t>10/25/2023</a:t>
             </a:fld>
             <a:endParaRPr lang="en-US"/>
           </a:p>
@@ -2071,7 +2074,7 @@
           <a:p>
             <a:fld id="{B2701F67-69F6-4BB3-966A-260D0646A8B7}" type="datetimeFigureOut">
               <a:rPr lang="en-US" smtClean="0"/>
-              <a:t>10/23/2023</a:t>
+              <a:t>10/25/2023</a:t>
             </a:fld>
             <a:endParaRPr lang="en-US"/>
           </a:p>
@@ -2382,7 +2385,7 @@
           <a:p>
             <a:fld id="{B2701F67-69F6-4BB3-966A-260D0646A8B7}" type="datetimeFigureOut">
               <a:rPr lang="en-US" smtClean="0"/>
-              <a:t>10/23/2023</a:t>
+              <a:t>10/25/2023</a:t>
             </a:fld>
             <a:endParaRPr lang="en-US"/>
           </a:p>
@@ -2670,7 +2673,7 @@
           <a:p>
             <a:fld id="{B2701F67-69F6-4BB3-966A-260D0646A8B7}" type="datetimeFigureOut">
               <a:rPr lang="en-US" smtClean="0"/>
-              <a:t>10/23/2023</a:t>
+              <a:t>10/25/2023</a:t>
             </a:fld>
             <a:endParaRPr lang="en-US"/>
           </a:p>
@@ -2911,7 +2914,7 @@
           <a:p>
             <a:fld id="{B2701F67-69F6-4BB3-966A-260D0646A8B7}" type="datetimeFigureOut">
               <a:rPr lang="en-US" smtClean="0"/>
-              <a:t>10/23/2023</a:t>
+              <a:t>10/25/2023</a:t>
             </a:fld>
             <a:endParaRPr lang="en-US"/>
           </a:p>
@@ -3697,6 +3700,977 @@
     <p:extLst>
       <p:ext uri="{BB962C8B-B14F-4D97-AF65-F5344CB8AC3E}">
         <p14:creationId xmlns:p14="http://schemas.microsoft.com/office/powerpoint/2010/main" val="4067212226"/>
+      </p:ext>
+    </p:extLst>
+  </p:cSld>
+  <p:clrMapOvr>
+    <a:masterClrMapping/>
+  </p:clrMapOvr>
+</p:sld>
+</file>
+
+<file path=ppt/slides/slide4.xml><?xml version="1.0" encoding="utf-8"?>
+<p:sld xmlns:a="http://schemas.openxmlformats.org/drawingml/2006/main" xmlns:r="http://schemas.openxmlformats.org/officeDocument/2006/relationships" xmlns:p="http://schemas.openxmlformats.org/presentationml/2006/main">
+  <p:cSld>
+    <p:spTree>
+      <p:nvGrpSpPr>
+        <p:cNvPr id="1" name=""/>
+        <p:cNvGrpSpPr/>
+        <p:nvPr/>
+      </p:nvGrpSpPr>
+      <p:grpSpPr>
+        <a:xfrm>
+          <a:off x="0" y="0"/>
+          <a:ext cx="0" cy="0"/>
+          <a:chOff x="0" y="0"/>
+          <a:chExt cx="0" cy="0"/>
+        </a:xfrm>
+      </p:grpSpPr>
+      <p:sp>
+        <p:nvSpPr>
+          <p:cNvPr id="2" name="Title 1">
+            <a:extLst>
+              <a:ext uri="{FF2B5EF4-FFF2-40B4-BE49-F238E27FC236}">
+                <a16:creationId xmlns:a16="http://schemas.microsoft.com/office/drawing/2014/main" id="{E5D79D59-E40D-941B-AFF9-305AF8FA5439}"/>
+              </a:ext>
+            </a:extLst>
+          </p:cNvPr>
+          <p:cNvSpPr>
+            <a:spLocks noGrp="1"/>
+          </p:cNvSpPr>
+          <p:nvPr>
+            <p:ph type="title"/>
+          </p:nvPr>
+        </p:nvSpPr>
+        <p:spPr/>
+        <p:txBody>
+          <a:bodyPr/>
+          <a:lstStyle/>
+          <a:p>
+            <a:r>
+              <a:rPr lang="en-US" dirty="0"/>
+              <a:t>C</a:t>
+            </a:r>
+            <a:r>
+              <a:rPr lang="en-US" altLang="zh-CN" dirty="0"/>
+              <a:t>omparison</a:t>
+            </a:r>
+            <a:endParaRPr lang="en-US" dirty="0"/>
+          </a:p>
+        </p:txBody>
+      </p:sp>
+      <p:pic>
+        <p:nvPicPr>
+          <p:cNvPr id="1026" name="Picture 2" descr="Amazon.com: 1007079-1 - Contact Microphone, CM-01B, PVDF Piezo Film, 40  V/mm, 8 to 2200 Hz, 5 Vdc : 工業與科學">
+            <a:extLst>
+              <a:ext uri="{FF2B5EF4-FFF2-40B4-BE49-F238E27FC236}">
+                <a16:creationId xmlns:a16="http://schemas.microsoft.com/office/drawing/2014/main" id="{2DADCC80-AB76-E659-985D-84F4238475CE}"/>
+              </a:ext>
+            </a:extLst>
+          </p:cNvPr>
+          <p:cNvPicPr>
+            <a:picLocks noChangeAspect="1" noChangeArrowheads="1"/>
+          </p:cNvPicPr>
+          <p:nvPr/>
+        </p:nvPicPr>
+        <p:blipFill>
+          <a:blip r:embed="rId2">
+            <a:extLst>
+              <a:ext uri="{28A0092B-C50C-407E-A947-70E740481C1C}">
+                <a14:useLocalDpi xmlns:a14="http://schemas.microsoft.com/office/drawing/2010/main" val="0"/>
+              </a:ext>
+            </a:extLst>
+          </a:blip>
+          <a:srcRect/>
+          <a:stretch>
+            <a:fillRect/>
+          </a:stretch>
+        </p:blipFill>
+        <p:spPr bwMode="auto">
+          <a:xfrm>
+            <a:off x="2274214" y="1654365"/>
+            <a:ext cx="1604971" cy="1325563"/>
+          </a:xfrm>
+          <a:prstGeom prst="rect">
+            <a:avLst/>
+          </a:prstGeom>
+          <a:noFill/>
+          <a:extLst>
+            <a:ext uri="{909E8E84-426E-40DD-AFC4-6F175D3DCCD1}">
+              <a14:hiddenFill xmlns:a14="http://schemas.microsoft.com/office/drawing/2010/main">
+                <a:solidFill>
+                  <a:srgbClr val="FFFFFF"/>
+                </a:solidFill>
+              </a14:hiddenFill>
+            </a:ext>
+          </a:extLst>
+        </p:spPr>
+      </p:pic>
+      <p:pic>
+        <p:nvPicPr>
+          <p:cNvPr id="1028" name="Picture 4" descr="SS30L - 製品 ：BIOPAC Systems">
+            <a:extLst>
+              <a:ext uri="{FF2B5EF4-FFF2-40B4-BE49-F238E27FC236}">
+                <a16:creationId xmlns:a16="http://schemas.microsoft.com/office/drawing/2014/main" id="{5AA27D7A-F6B4-14C1-BB1A-D63A32F217F3}"/>
+              </a:ext>
+            </a:extLst>
+          </p:cNvPr>
+          <p:cNvPicPr>
+            <a:picLocks noChangeAspect="1" noChangeArrowheads="1"/>
+          </p:cNvPicPr>
+          <p:nvPr/>
+        </p:nvPicPr>
+        <p:blipFill>
+          <a:blip r:embed="rId3">
+            <a:extLst>
+              <a:ext uri="{28A0092B-C50C-407E-A947-70E740481C1C}">
+                <a14:useLocalDpi xmlns:a14="http://schemas.microsoft.com/office/drawing/2010/main" val="0"/>
+              </a:ext>
+            </a:extLst>
+          </a:blip>
+          <a:srcRect/>
+          <a:stretch>
+            <a:fillRect/>
+          </a:stretch>
+        </p:blipFill>
+        <p:spPr bwMode="auto">
+          <a:xfrm>
+            <a:off x="4187587" y="1410308"/>
+            <a:ext cx="1604972" cy="1569620"/>
+          </a:xfrm>
+          <a:prstGeom prst="rect">
+            <a:avLst/>
+          </a:prstGeom>
+          <a:noFill/>
+          <a:extLst>
+            <a:ext uri="{909E8E84-426E-40DD-AFC4-6F175D3DCCD1}">
+              <a14:hiddenFill xmlns:a14="http://schemas.microsoft.com/office/drawing/2010/main">
+                <a:solidFill>
+                  <a:srgbClr val="FFFFFF"/>
+                </a:solidFill>
+              </a14:hiddenFill>
+            </a:ext>
+          </a:extLst>
+        </p:spPr>
+      </p:pic>
+      <p:sp>
+        <p:nvSpPr>
+          <p:cNvPr id="8" name="TextBox 7">
+            <a:extLst>
+              <a:ext uri="{FF2B5EF4-FFF2-40B4-BE49-F238E27FC236}">
+                <a16:creationId xmlns:a16="http://schemas.microsoft.com/office/drawing/2014/main" id="{DC337224-313E-0EC0-3616-183752E47C37}"/>
+              </a:ext>
+            </a:extLst>
+          </p:cNvPr>
+          <p:cNvSpPr txBox="1"/>
+          <p:nvPr/>
+        </p:nvSpPr>
+        <p:spPr>
+          <a:xfrm>
+            <a:off x="7201928" y="1690688"/>
+            <a:ext cx="4253429" cy="1107996"/>
+          </a:xfrm>
+          <a:prstGeom prst="rect">
+            <a:avLst/>
+          </a:prstGeom>
+          <a:noFill/>
+        </p:spPr>
+        <p:txBody>
+          <a:bodyPr wrap="square" rtlCol="0">
+            <a:spAutoFit/>
+          </a:bodyPr>
+          <a:lstStyle/>
+          <a:p>
+            <a:r>
+              <a:rPr lang="en-US" sz="2200" dirty="0"/>
+              <a:t>Stethoscope is better in term of </a:t>
+            </a:r>
+          </a:p>
+          <a:p>
+            <a:pPr marL="342900" indent="-342900">
+              <a:buAutoNum type="arabicPeriod"/>
+            </a:pPr>
+            <a:r>
+              <a:rPr lang="en-US" sz="2200" dirty="0"/>
+              <a:t>SNR</a:t>
+            </a:r>
+          </a:p>
+          <a:p>
+            <a:pPr marL="342900" indent="-342900">
+              <a:buAutoNum type="arabicPeriod"/>
+            </a:pPr>
+            <a:r>
+              <a:rPr lang="en-US" sz="2200" dirty="0"/>
+              <a:t>Robust to vibration</a:t>
+            </a:r>
+          </a:p>
+        </p:txBody>
+      </p:sp>
+      <p:sp>
+        <p:nvSpPr>
+          <p:cNvPr id="9" name="TextBox 8">
+            <a:extLst>
+              <a:ext uri="{FF2B5EF4-FFF2-40B4-BE49-F238E27FC236}">
+                <a16:creationId xmlns:a16="http://schemas.microsoft.com/office/drawing/2014/main" id="{0E907576-2BE2-6496-B538-BA72EDF95C53}"/>
+              </a:ext>
+            </a:extLst>
+          </p:cNvPr>
+          <p:cNvSpPr txBox="1"/>
+          <p:nvPr/>
+        </p:nvSpPr>
+        <p:spPr>
+          <a:xfrm>
+            <a:off x="2188029" y="3087870"/>
+            <a:ext cx="1691156" cy="369332"/>
+          </a:xfrm>
+          <a:prstGeom prst="rect">
+            <a:avLst/>
+          </a:prstGeom>
+          <a:noFill/>
+        </p:spPr>
+        <p:txBody>
+          <a:bodyPr wrap="square" rtlCol="0">
+            <a:spAutoFit/>
+          </a:bodyPr>
+          <a:lstStyle/>
+          <a:p>
+            <a:pPr algn="ctr"/>
+            <a:r>
+              <a:rPr lang="en-US" dirty="0"/>
+              <a:t>Contact Mic</a:t>
+            </a:r>
+          </a:p>
+        </p:txBody>
+      </p:sp>
+      <p:sp>
+        <p:nvSpPr>
+          <p:cNvPr id="10" name="TextBox 9">
+            <a:extLst>
+              <a:ext uri="{FF2B5EF4-FFF2-40B4-BE49-F238E27FC236}">
+                <a16:creationId xmlns:a16="http://schemas.microsoft.com/office/drawing/2014/main" id="{D0D08341-ED7C-42B2-C6DF-763DB810DE0B}"/>
+              </a:ext>
+            </a:extLst>
+          </p:cNvPr>
+          <p:cNvSpPr txBox="1"/>
+          <p:nvPr/>
+        </p:nvSpPr>
+        <p:spPr>
+          <a:xfrm>
+            <a:off x="4232902" y="3087870"/>
+            <a:ext cx="1691156" cy="369332"/>
+          </a:xfrm>
+          <a:prstGeom prst="rect">
+            <a:avLst/>
+          </a:prstGeom>
+          <a:noFill/>
+        </p:spPr>
+        <p:txBody>
+          <a:bodyPr wrap="square" rtlCol="0">
+            <a:spAutoFit/>
+          </a:bodyPr>
+          <a:lstStyle/>
+          <a:p>
+            <a:pPr algn="ctr"/>
+            <a:r>
+              <a:rPr lang="en-US" dirty="0"/>
+              <a:t>Stethoscope</a:t>
+            </a:r>
+          </a:p>
+        </p:txBody>
+      </p:sp>
+    </p:spTree>
+    <p:extLst>
+      <p:ext uri="{BB962C8B-B14F-4D97-AF65-F5344CB8AC3E}">
+        <p14:creationId xmlns:p14="http://schemas.microsoft.com/office/powerpoint/2010/main" val="1926107758"/>
+      </p:ext>
+    </p:extLst>
+  </p:cSld>
+  <p:clrMapOvr>
+    <a:masterClrMapping/>
+  </p:clrMapOvr>
+</p:sld>
+</file>
+
+<file path=ppt/slides/slide5.xml><?xml version="1.0" encoding="utf-8"?>
+<p:sld xmlns:a="http://schemas.openxmlformats.org/drawingml/2006/main" xmlns:r="http://schemas.openxmlformats.org/officeDocument/2006/relationships" xmlns:p="http://schemas.openxmlformats.org/presentationml/2006/main">
+  <p:cSld>
+    <p:spTree>
+      <p:nvGrpSpPr>
+        <p:cNvPr id="1" name=""/>
+        <p:cNvGrpSpPr/>
+        <p:nvPr/>
+      </p:nvGrpSpPr>
+      <p:grpSpPr>
+        <a:xfrm>
+          <a:off x="0" y="0"/>
+          <a:ext cx="0" cy="0"/>
+          <a:chOff x="0" y="0"/>
+          <a:chExt cx="0" cy="0"/>
+        </a:xfrm>
+      </p:grpSpPr>
+      <p:sp>
+        <p:nvSpPr>
+          <p:cNvPr id="2" name="Title 1">
+            <a:extLst>
+              <a:ext uri="{FF2B5EF4-FFF2-40B4-BE49-F238E27FC236}">
+                <a16:creationId xmlns:a16="http://schemas.microsoft.com/office/drawing/2014/main" id="{85FD8A4E-C5AD-64BA-4464-B8330C210C17}"/>
+              </a:ext>
+            </a:extLst>
+          </p:cNvPr>
+          <p:cNvSpPr>
+            <a:spLocks noGrp="1"/>
+          </p:cNvSpPr>
+          <p:nvPr>
+            <p:ph type="title"/>
+          </p:nvPr>
+        </p:nvSpPr>
+        <p:spPr/>
+        <p:txBody>
+          <a:bodyPr/>
+          <a:lstStyle/>
+          <a:p>
+            <a:r>
+              <a:rPr lang="en-US" dirty="0"/>
+              <a:t>Animal </a:t>
+            </a:r>
+            <a:r>
+              <a:rPr lang="en-US" altLang="zh-CN" dirty="0"/>
+              <a:t>Vital signs</a:t>
+            </a:r>
+            <a:endParaRPr lang="en-US" dirty="0"/>
+          </a:p>
+        </p:txBody>
+      </p:sp>
+      <p:pic>
+        <p:nvPicPr>
+          <p:cNvPr id="1026" name="Picture 2">
+            <a:extLst>
+              <a:ext uri="{FF2B5EF4-FFF2-40B4-BE49-F238E27FC236}">
+                <a16:creationId xmlns:a16="http://schemas.microsoft.com/office/drawing/2014/main" id="{1B8F4271-051F-DD74-4548-01AA1817F024}"/>
+              </a:ext>
+            </a:extLst>
+          </p:cNvPr>
+          <p:cNvPicPr>
+            <a:picLocks noChangeAspect="1" noChangeArrowheads="1"/>
+          </p:cNvPicPr>
+          <p:nvPr/>
+        </p:nvPicPr>
+        <p:blipFill>
+          <a:blip r:embed="rId2">
+            <a:extLst>
+              <a:ext uri="{28A0092B-C50C-407E-A947-70E740481C1C}">
+                <a14:useLocalDpi xmlns:a14="http://schemas.microsoft.com/office/drawing/2010/main" val="0"/>
+              </a:ext>
+            </a:extLst>
+          </a:blip>
+          <a:srcRect/>
+          <a:stretch>
+            <a:fillRect/>
+          </a:stretch>
+        </p:blipFill>
+        <p:spPr bwMode="auto">
+          <a:xfrm>
+            <a:off x="3636974" y="1771245"/>
+            <a:ext cx="1144836" cy="1526447"/>
+          </a:xfrm>
+          <a:prstGeom prst="rect">
+            <a:avLst/>
+          </a:prstGeom>
+          <a:noFill/>
+          <a:extLst>
+            <a:ext uri="{909E8E84-426E-40DD-AFC4-6F175D3DCCD1}">
+              <a14:hiddenFill xmlns:a14="http://schemas.microsoft.com/office/drawing/2010/main">
+                <a:solidFill>
+                  <a:srgbClr val="FFFFFF"/>
+                </a:solidFill>
+              </a14:hiddenFill>
+            </a:ext>
+          </a:extLst>
+        </p:spPr>
+      </p:pic>
+      <p:pic>
+        <p:nvPicPr>
+          <p:cNvPr id="5" name="Picture 4" descr="A close-up of a device&#10;&#10;Description automatically generated">
+            <a:extLst>
+              <a:ext uri="{FF2B5EF4-FFF2-40B4-BE49-F238E27FC236}">
+                <a16:creationId xmlns:a16="http://schemas.microsoft.com/office/drawing/2014/main" id="{F1662729-C072-7FF1-A3AE-E2E99830AF49}"/>
+              </a:ext>
+            </a:extLst>
+          </p:cNvPr>
+          <p:cNvPicPr>
+            <a:picLocks noChangeAspect="1"/>
+          </p:cNvPicPr>
+          <p:nvPr/>
+        </p:nvPicPr>
+        <p:blipFill>
+          <a:blip r:embed="rId3">
+            <a:extLst>
+              <a:ext uri="{28A0092B-C50C-407E-A947-70E740481C1C}">
+                <a14:useLocalDpi xmlns:a14="http://schemas.microsoft.com/office/drawing/2010/main" val="0"/>
+              </a:ext>
+            </a:extLst>
+          </a:blip>
+          <a:stretch>
+            <a:fillRect/>
+          </a:stretch>
+        </p:blipFill>
+        <p:spPr>
+          <a:xfrm>
+            <a:off x="7755648" y="3234522"/>
+            <a:ext cx="2086456" cy="1376173"/>
+          </a:xfrm>
+          <a:prstGeom prst="rect">
+            <a:avLst/>
+          </a:prstGeom>
+        </p:spPr>
+      </p:pic>
+      <p:pic>
+        <p:nvPicPr>
+          <p:cNvPr id="7" name="Picture 6" descr="A person working on a machine&#10;&#10;Description automatically generated">
+            <a:extLst>
+              <a:ext uri="{FF2B5EF4-FFF2-40B4-BE49-F238E27FC236}">
+                <a16:creationId xmlns:a16="http://schemas.microsoft.com/office/drawing/2014/main" id="{566AC54B-9CBC-EF5D-411A-3F63E77CDB85}"/>
+              </a:ext>
+            </a:extLst>
+          </p:cNvPr>
+          <p:cNvPicPr>
+            <a:picLocks noChangeAspect="1"/>
+          </p:cNvPicPr>
+          <p:nvPr/>
+        </p:nvPicPr>
+        <p:blipFill rotWithShape="1">
+          <a:blip r:embed="rId4">
+            <a:extLst>
+              <a:ext uri="{28A0092B-C50C-407E-A947-70E740481C1C}">
+                <a14:useLocalDpi xmlns:a14="http://schemas.microsoft.com/office/drawing/2010/main" val="0"/>
+              </a:ext>
+            </a:extLst>
+          </a:blip>
+          <a:srcRect l="46217"/>
+          <a:stretch/>
+        </p:blipFill>
+        <p:spPr>
+          <a:xfrm>
+            <a:off x="1131233" y="1888953"/>
+            <a:ext cx="2149972" cy="1408739"/>
+          </a:xfrm>
+          <a:prstGeom prst="rect">
+            <a:avLst/>
+          </a:prstGeom>
+        </p:spPr>
+      </p:pic>
+      <p:sp>
+        <p:nvSpPr>
+          <p:cNvPr id="9" name="TextBox 8">
+            <a:extLst>
+              <a:ext uri="{FF2B5EF4-FFF2-40B4-BE49-F238E27FC236}">
+                <a16:creationId xmlns:a16="http://schemas.microsoft.com/office/drawing/2014/main" id="{F4527F4F-68D3-17BF-819A-0D7A699B16CC}"/>
+              </a:ext>
+            </a:extLst>
+          </p:cNvPr>
+          <p:cNvSpPr txBox="1"/>
+          <p:nvPr/>
+        </p:nvSpPr>
+        <p:spPr>
+          <a:xfrm>
+            <a:off x="2946648" y="1204838"/>
+            <a:ext cx="1426029" cy="461665"/>
+          </a:xfrm>
+          <a:prstGeom prst="rect">
+            <a:avLst/>
+          </a:prstGeom>
+          <a:noFill/>
+        </p:spPr>
+        <p:txBody>
+          <a:bodyPr wrap="square" rtlCol="0">
+            <a:spAutoFit/>
+          </a:bodyPr>
+          <a:lstStyle/>
+          <a:p>
+            <a:pPr algn="ctr"/>
+            <a:r>
+              <a:rPr lang="en-US" sz="2400" dirty="0"/>
+              <a:t>HR</a:t>
+            </a:r>
+          </a:p>
+        </p:txBody>
+      </p:sp>
+      <p:sp>
+        <p:nvSpPr>
+          <p:cNvPr id="10" name="TextBox 9">
+            <a:extLst>
+              <a:ext uri="{FF2B5EF4-FFF2-40B4-BE49-F238E27FC236}">
+                <a16:creationId xmlns:a16="http://schemas.microsoft.com/office/drawing/2014/main" id="{C15C57FC-F593-F740-0822-64BDEA994B20}"/>
+              </a:ext>
+            </a:extLst>
+          </p:cNvPr>
+          <p:cNvSpPr txBox="1"/>
+          <p:nvPr/>
+        </p:nvSpPr>
+        <p:spPr>
+          <a:xfrm>
+            <a:off x="7970320" y="1204838"/>
+            <a:ext cx="1639940" cy="461665"/>
+          </a:xfrm>
+          <a:prstGeom prst="rect">
+            <a:avLst/>
+          </a:prstGeom>
+          <a:noFill/>
+        </p:spPr>
+        <p:txBody>
+          <a:bodyPr wrap="square" rtlCol="0">
+            <a:spAutoFit/>
+          </a:bodyPr>
+          <a:lstStyle/>
+          <a:p>
+            <a:pPr algn="ctr"/>
+            <a:r>
+              <a:rPr lang="en-US" sz="2400" dirty="0"/>
+              <a:t>RR</a:t>
+            </a:r>
+          </a:p>
+        </p:txBody>
+      </p:sp>
+      <p:sp>
+        <p:nvSpPr>
+          <p:cNvPr id="11" name="TextBox 10">
+            <a:extLst>
+              <a:ext uri="{FF2B5EF4-FFF2-40B4-BE49-F238E27FC236}">
+                <a16:creationId xmlns:a16="http://schemas.microsoft.com/office/drawing/2014/main" id="{E0DEF37F-09D3-85FA-41A6-C49938684653}"/>
+              </a:ext>
+            </a:extLst>
+          </p:cNvPr>
+          <p:cNvSpPr txBox="1"/>
+          <p:nvPr/>
+        </p:nvSpPr>
+        <p:spPr>
+          <a:xfrm>
+            <a:off x="9815633" y="3753198"/>
+            <a:ext cx="1864181" cy="369332"/>
+          </a:xfrm>
+          <a:prstGeom prst="rect">
+            <a:avLst/>
+          </a:prstGeom>
+          <a:noFill/>
+        </p:spPr>
+        <p:txBody>
+          <a:bodyPr wrap="square" rtlCol="0">
+            <a:spAutoFit/>
+          </a:bodyPr>
+          <a:lstStyle/>
+          <a:p>
+            <a:r>
+              <a:rPr lang="en-US" dirty="0"/>
+              <a:t>Chest-band RR</a:t>
+            </a:r>
+          </a:p>
+        </p:txBody>
+      </p:sp>
+      <p:pic>
+        <p:nvPicPr>
+          <p:cNvPr id="1042" name="Picture 18" descr="Camera Icon Vector Art, Icons, and Graphics for Free Download">
+            <a:extLst>
+              <a:ext uri="{FF2B5EF4-FFF2-40B4-BE49-F238E27FC236}">
+                <a16:creationId xmlns:a16="http://schemas.microsoft.com/office/drawing/2014/main" id="{27B16753-9CE0-F208-C2E1-4AA206556462}"/>
+              </a:ext>
+            </a:extLst>
+          </p:cNvPr>
+          <p:cNvPicPr>
+            <a:picLocks noChangeAspect="1" noChangeArrowheads="1"/>
+          </p:cNvPicPr>
+          <p:nvPr/>
+        </p:nvPicPr>
+        <p:blipFill>
+          <a:blip r:embed="rId5">
+            <a:extLst>
+              <a:ext uri="{28A0092B-C50C-407E-A947-70E740481C1C}">
+                <a14:useLocalDpi xmlns:a14="http://schemas.microsoft.com/office/drawing/2010/main" val="0"/>
+              </a:ext>
+            </a:extLst>
+          </a:blip>
+          <a:srcRect/>
+          <a:stretch>
+            <a:fillRect/>
+          </a:stretch>
+        </p:blipFill>
+        <p:spPr bwMode="auto">
+          <a:xfrm>
+            <a:off x="8632049" y="1775722"/>
+            <a:ext cx="1458800" cy="1458800"/>
+          </a:xfrm>
+          <a:prstGeom prst="rect">
+            <a:avLst/>
+          </a:prstGeom>
+          <a:noFill/>
+          <a:extLst>
+            <a:ext uri="{909E8E84-426E-40DD-AFC4-6F175D3DCCD1}">
+              <a14:hiddenFill xmlns:a14="http://schemas.microsoft.com/office/drawing/2010/main">
+                <a:solidFill>
+                  <a:srgbClr val="FFFFFF"/>
+                </a:solidFill>
+              </a14:hiddenFill>
+            </a:ext>
+          </a:extLst>
+        </p:spPr>
+      </p:pic>
+      <p:pic>
+        <p:nvPicPr>
+          <p:cNvPr id="1044" name="Picture 20" descr="Web camera - Free web icons">
+            <a:extLst>
+              <a:ext uri="{FF2B5EF4-FFF2-40B4-BE49-F238E27FC236}">
+                <a16:creationId xmlns:a16="http://schemas.microsoft.com/office/drawing/2014/main" id="{358E91FA-6B77-78D1-FBC4-85BDE3159556}"/>
+              </a:ext>
+            </a:extLst>
+          </p:cNvPr>
+          <p:cNvPicPr>
+            <a:picLocks noChangeAspect="1" noChangeArrowheads="1"/>
+          </p:cNvPicPr>
+          <p:nvPr/>
+        </p:nvPicPr>
+        <p:blipFill>
+          <a:blip r:embed="rId6">
+            <a:extLst>
+              <a:ext uri="{28A0092B-C50C-407E-A947-70E740481C1C}">
+                <a14:useLocalDpi xmlns:a14="http://schemas.microsoft.com/office/drawing/2010/main" val="0"/>
+              </a:ext>
+            </a:extLst>
+          </a:blip>
+          <a:srcRect/>
+          <a:stretch>
+            <a:fillRect/>
+          </a:stretch>
+        </p:blipFill>
+        <p:spPr bwMode="auto">
+          <a:xfrm>
+            <a:off x="7625228" y="2033619"/>
+            <a:ext cx="1006821" cy="1006821"/>
+          </a:xfrm>
+          <a:prstGeom prst="rect">
+            <a:avLst/>
+          </a:prstGeom>
+          <a:noFill/>
+          <a:extLst>
+            <a:ext uri="{909E8E84-426E-40DD-AFC4-6F175D3DCCD1}">
+              <a14:hiddenFill xmlns:a14="http://schemas.microsoft.com/office/drawing/2010/main">
+                <a:solidFill>
+                  <a:srgbClr val="FFFFFF"/>
+                </a:solidFill>
+              </a14:hiddenFill>
+            </a:ext>
+          </a:extLst>
+        </p:spPr>
+      </p:pic>
+      <p:sp>
+        <p:nvSpPr>
+          <p:cNvPr id="16" name="TextBox 15">
+            <a:extLst>
+              <a:ext uri="{FF2B5EF4-FFF2-40B4-BE49-F238E27FC236}">
+                <a16:creationId xmlns:a16="http://schemas.microsoft.com/office/drawing/2014/main" id="{978BCA29-719E-61A8-E5AE-924470015812}"/>
+              </a:ext>
+            </a:extLst>
+          </p:cNvPr>
+          <p:cNvSpPr txBox="1"/>
+          <p:nvPr/>
+        </p:nvSpPr>
+        <p:spPr>
+          <a:xfrm>
+            <a:off x="9815633" y="2352363"/>
+            <a:ext cx="1864181" cy="369332"/>
+          </a:xfrm>
+          <a:prstGeom prst="rect">
+            <a:avLst/>
+          </a:prstGeom>
+          <a:noFill/>
+        </p:spPr>
+        <p:txBody>
+          <a:bodyPr wrap="square" rtlCol="0">
+            <a:spAutoFit/>
+          </a:bodyPr>
+          <a:lstStyle/>
+          <a:p>
+            <a:r>
+              <a:rPr lang="en-US" dirty="0"/>
+              <a:t>Vision RR</a:t>
+            </a:r>
+          </a:p>
+        </p:txBody>
+      </p:sp>
+      <p:sp>
+        <p:nvSpPr>
+          <p:cNvPr id="6" name="TextBox 5">
+            <a:extLst>
+              <a:ext uri="{FF2B5EF4-FFF2-40B4-BE49-F238E27FC236}">
+                <a16:creationId xmlns:a16="http://schemas.microsoft.com/office/drawing/2014/main" id="{8353CE18-2725-DC14-ADD6-EEC674A87332}"/>
+              </a:ext>
+            </a:extLst>
+          </p:cNvPr>
+          <p:cNvSpPr txBox="1"/>
+          <p:nvPr/>
+        </p:nvSpPr>
+        <p:spPr>
+          <a:xfrm>
+            <a:off x="4481425" y="2369150"/>
+            <a:ext cx="1699518" cy="369332"/>
+          </a:xfrm>
+          <a:prstGeom prst="rect">
+            <a:avLst/>
+          </a:prstGeom>
+          <a:noFill/>
+        </p:spPr>
+        <p:txBody>
+          <a:bodyPr wrap="square" rtlCol="0">
+            <a:spAutoFit/>
+          </a:bodyPr>
+          <a:lstStyle/>
+          <a:p>
+            <a:r>
+              <a:rPr lang="en-US" dirty="0"/>
+              <a:t>P</a:t>
+            </a:r>
+            <a:r>
+              <a:rPr lang="en-US" altLang="zh-CN" dirty="0"/>
+              <a:t>ulse </a:t>
+            </a:r>
+            <a:r>
+              <a:rPr lang="en-US" dirty="0"/>
+              <a:t>oximeter</a:t>
+            </a:r>
+          </a:p>
+        </p:txBody>
+      </p:sp>
+      <p:pic>
+        <p:nvPicPr>
+          <p:cNvPr id="17" name="Picture 16" descr="A device with a cable attached to it&#10;&#10;Description automatically generated">
+            <a:extLst>
+              <a:ext uri="{FF2B5EF4-FFF2-40B4-BE49-F238E27FC236}">
+                <a16:creationId xmlns:a16="http://schemas.microsoft.com/office/drawing/2014/main" id="{1D52AB8D-4DF0-6C15-A4A8-F07AAE20676D}"/>
+              </a:ext>
+            </a:extLst>
+          </p:cNvPr>
+          <p:cNvPicPr>
+            <a:picLocks noChangeAspect="1"/>
+          </p:cNvPicPr>
+          <p:nvPr/>
+        </p:nvPicPr>
+        <p:blipFill>
+          <a:blip r:embed="rId7">
+            <a:extLst>
+              <a:ext uri="{28A0092B-C50C-407E-A947-70E740481C1C}">
+                <a14:useLocalDpi xmlns:a14="http://schemas.microsoft.com/office/drawing/2010/main" val="0"/>
+              </a:ext>
+            </a:extLst>
+          </a:blip>
+          <a:stretch>
+            <a:fillRect/>
+          </a:stretch>
+        </p:blipFill>
+        <p:spPr>
+          <a:xfrm>
+            <a:off x="2206219" y="3423059"/>
+            <a:ext cx="1699519" cy="1399343"/>
+          </a:xfrm>
+          <a:prstGeom prst="rect">
+            <a:avLst/>
+          </a:prstGeom>
+        </p:spPr>
+      </p:pic>
+      <p:sp>
+        <p:nvSpPr>
+          <p:cNvPr id="19" name="TextBox 18">
+            <a:extLst>
+              <a:ext uri="{FF2B5EF4-FFF2-40B4-BE49-F238E27FC236}">
+                <a16:creationId xmlns:a16="http://schemas.microsoft.com/office/drawing/2014/main" id="{964B9388-E1A8-32A4-8596-89B78F10AE4A}"/>
+              </a:ext>
+            </a:extLst>
+          </p:cNvPr>
+          <p:cNvSpPr txBox="1"/>
+          <p:nvPr/>
+        </p:nvSpPr>
+        <p:spPr>
+          <a:xfrm>
+            <a:off x="4484752" y="3922608"/>
+            <a:ext cx="1699518" cy="369332"/>
+          </a:xfrm>
+          <a:prstGeom prst="rect">
+            <a:avLst/>
+          </a:prstGeom>
+          <a:noFill/>
+        </p:spPr>
+        <p:txBody>
+          <a:bodyPr wrap="square" rtlCol="0">
+            <a:spAutoFit/>
+          </a:bodyPr>
+          <a:lstStyle/>
+          <a:p>
+            <a:r>
+              <a:rPr lang="en-US" dirty="0"/>
+              <a:t>PPG sensor</a:t>
+            </a:r>
+          </a:p>
+        </p:txBody>
+      </p:sp>
+      <p:pic>
+        <p:nvPicPr>
+          <p:cNvPr id="21" name="Picture 20" descr="A close-up of a device&#10;&#10;Description automatically generated">
+            <a:extLst>
+              <a:ext uri="{FF2B5EF4-FFF2-40B4-BE49-F238E27FC236}">
+                <a16:creationId xmlns:a16="http://schemas.microsoft.com/office/drawing/2014/main" id="{9EB4B5AE-4640-998C-1F2E-0A9F09D7C5D6}"/>
+              </a:ext>
+            </a:extLst>
+          </p:cNvPr>
+          <p:cNvPicPr>
+            <a:picLocks noChangeAspect="1"/>
+          </p:cNvPicPr>
+          <p:nvPr/>
+        </p:nvPicPr>
+        <p:blipFill>
+          <a:blip r:embed="rId8">
+            <a:extLst>
+              <a:ext uri="{28A0092B-C50C-407E-A947-70E740481C1C}">
+                <a14:useLocalDpi xmlns:a14="http://schemas.microsoft.com/office/drawing/2010/main" val="0"/>
+              </a:ext>
+            </a:extLst>
+          </a:blip>
+          <a:stretch>
+            <a:fillRect/>
+          </a:stretch>
+        </p:blipFill>
+        <p:spPr>
+          <a:xfrm>
+            <a:off x="1745624" y="4872916"/>
+            <a:ext cx="2319598" cy="1836122"/>
+          </a:xfrm>
+          <a:prstGeom prst="rect">
+            <a:avLst/>
+          </a:prstGeom>
+        </p:spPr>
+      </p:pic>
+      <p:sp>
+        <p:nvSpPr>
+          <p:cNvPr id="22" name="TextBox 21">
+            <a:extLst>
+              <a:ext uri="{FF2B5EF4-FFF2-40B4-BE49-F238E27FC236}">
+                <a16:creationId xmlns:a16="http://schemas.microsoft.com/office/drawing/2014/main" id="{975D3E69-9547-35A7-97F1-A98105AFE822}"/>
+              </a:ext>
+            </a:extLst>
+          </p:cNvPr>
+          <p:cNvSpPr txBox="1"/>
+          <p:nvPr/>
+        </p:nvSpPr>
+        <p:spPr>
+          <a:xfrm>
+            <a:off x="4481425" y="5641021"/>
+            <a:ext cx="2569144" cy="369332"/>
+          </a:xfrm>
+          <a:prstGeom prst="rect">
+            <a:avLst/>
+          </a:prstGeom>
+          <a:noFill/>
+        </p:spPr>
+        <p:txBody>
+          <a:bodyPr wrap="square" rtlCol="0">
+            <a:spAutoFit/>
+          </a:bodyPr>
+          <a:lstStyle/>
+          <a:p>
+            <a:r>
+              <a:rPr lang="en-US" dirty="0"/>
+              <a:t>ECG (golden standard)</a:t>
+            </a:r>
+          </a:p>
+        </p:txBody>
+      </p:sp>
+    </p:spTree>
+    <p:extLst>
+      <p:ext uri="{BB962C8B-B14F-4D97-AF65-F5344CB8AC3E}">
+        <p14:creationId xmlns:p14="http://schemas.microsoft.com/office/powerpoint/2010/main" val="1977721976"/>
+      </p:ext>
+    </p:extLst>
+  </p:cSld>
+  <p:clrMapOvr>
+    <a:masterClrMapping/>
+  </p:clrMapOvr>
+</p:sld>
+</file>
+
+<file path=ppt/slides/slide6.xml><?xml version="1.0" encoding="utf-8"?>
+<p:sld xmlns:a="http://schemas.openxmlformats.org/drawingml/2006/main" xmlns:r="http://schemas.openxmlformats.org/officeDocument/2006/relationships" xmlns:p="http://schemas.openxmlformats.org/presentationml/2006/main">
+  <p:cSld>
+    <p:spTree>
+      <p:nvGrpSpPr>
+        <p:cNvPr id="1" name=""/>
+        <p:cNvGrpSpPr/>
+        <p:nvPr/>
+      </p:nvGrpSpPr>
+      <p:grpSpPr>
+        <a:xfrm>
+          <a:off x="0" y="0"/>
+          <a:ext cx="0" cy="0"/>
+          <a:chOff x="0" y="0"/>
+          <a:chExt cx="0" cy="0"/>
+        </a:xfrm>
+      </p:grpSpPr>
+      <p:sp>
+        <p:nvSpPr>
+          <p:cNvPr id="2" name="Title 1">
+            <a:extLst>
+              <a:ext uri="{FF2B5EF4-FFF2-40B4-BE49-F238E27FC236}">
+                <a16:creationId xmlns:a16="http://schemas.microsoft.com/office/drawing/2014/main" id="{B82AF7AF-21F8-57B0-628E-8660392F9B54}"/>
+              </a:ext>
+            </a:extLst>
+          </p:cNvPr>
+          <p:cNvSpPr>
+            <a:spLocks noGrp="1"/>
+          </p:cNvSpPr>
+          <p:nvPr>
+            <p:ph type="title"/>
+          </p:nvPr>
+        </p:nvSpPr>
+        <p:spPr/>
+        <p:txBody>
+          <a:bodyPr/>
+          <a:lstStyle/>
+          <a:p>
+            <a:r>
+              <a:rPr lang="en-US" dirty="0"/>
+              <a:t>Stethoscope </a:t>
+            </a:r>
+            <a:r>
+              <a:rPr lang="en-US"/>
+              <a:t>on smartphone</a:t>
+            </a:r>
+          </a:p>
+        </p:txBody>
+      </p:sp>
+      <p:sp>
+        <p:nvSpPr>
+          <p:cNvPr id="3" name="Content Placeholder 2">
+            <a:extLst>
+              <a:ext uri="{FF2B5EF4-FFF2-40B4-BE49-F238E27FC236}">
+                <a16:creationId xmlns:a16="http://schemas.microsoft.com/office/drawing/2014/main" id="{A63ADB7C-E23D-9080-298C-741666E4EE95}"/>
+              </a:ext>
+            </a:extLst>
+          </p:cNvPr>
+          <p:cNvSpPr>
+            <a:spLocks noGrp="1"/>
+          </p:cNvSpPr>
+          <p:nvPr>
+            <p:ph idx="1"/>
+          </p:nvPr>
+        </p:nvSpPr>
+        <p:spPr/>
+        <p:txBody>
+          <a:bodyPr/>
+          <a:lstStyle/>
+          <a:p>
+            <a:endParaRPr lang="en-US"/>
+          </a:p>
+        </p:txBody>
+      </p:sp>
+    </p:spTree>
+    <p:extLst>
+      <p:ext uri="{BB962C8B-B14F-4D97-AF65-F5344CB8AC3E}">
+        <p14:creationId xmlns:p14="http://schemas.microsoft.com/office/powerpoint/2010/main" val="3476191028"/>
       </p:ext>
     </p:extLst>
   </p:cSld>

--- a/weekly report.pptx
+++ b/weekly report.pptx
@@ -5,12 +5,10 @@
     <p:sldMasterId id="2147483648" r:id="rId1"/>
   </p:sldMasterIdLst>
   <p:sldIdLst>
-    <p:sldId id="257" r:id="rId2"/>
-    <p:sldId id="259" r:id="rId3"/>
-    <p:sldId id="258" r:id="rId4"/>
-    <p:sldId id="260" r:id="rId5"/>
-    <p:sldId id="261" r:id="rId6"/>
-    <p:sldId id="262" r:id="rId7"/>
+    <p:sldId id="259" r:id="rId2"/>
+    <p:sldId id="262" r:id="rId3"/>
+    <p:sldId id="263" r:id="rId4"/>
+    <p:sldId id="264" r:id="rId5"/>
   </p:sldIdLst>
   <p:sldSz cx="12192000" cy="6858000"/>
   <p:notesSz cx="6858000" cy="9144000"/>
@@ -264,7 +262,7 @@
           <a:p>
             <a:fld id="{B2701F67-69F6-4BB3-966A-260D0646A8B7}" type="datetimeFigureOut">
               <a:rPr lang="en-US" smtClean="0"/>
-              <a:t>10/25/2023</a:t>
+              <a:t>11/8/2023</a:t>
             </a:fld>
             <a:endParaRPr lang="en-US"/>
           </a:p>
@@ -462,7 +460,7 @@
           <a:p>
             <a:fld id="{B2701F67-69F6-4BB3-966A-260D0646A8B7}" type="datetimeFigureOut">
               <a:rPr lang="en-US" smtClean="0"/>
-              <a:t>10/25/2023</a:t>
+              <a:t>11/8/2023</a:t>
             </a:fld>
             <a:endParaRPr lang="en-US"/>
           </a:p>
@@ -670,7 +668,7 @@
           <a:p>
             <a:fld id="{B2701F67-69F6-4BB3-966A-260D0646A8B7}" type="datetimeFigureOut">
               <a:rPr lang="en-US" smtClean="0"/>
-              <a:t>10/25/2023</a:t>
+              <a:t>11/8/2023</a:t>
             </a:fld>
             <a:endParaRPr lang="en-US"/>
           </a:p>
@@ -868,7 +866,7 @@
           <a:p>
             <a:fld id="{B2701F67-69F6-4BB3-966A-260D0646A8B7}" type="datetimeFigureOut">
               <a:rPr lang="en-US" smtClean="0"/>
-              <a:t>10/25/2023</a:t>
+              <a:t>11/8/2023</a:t>
             </a:fld>
             <a:endParaRPr lang="en-US"/>
           </a:p>
@@ -1143,7 +1141,7 @@
           <a:p>
             <a:fld id="{B2701F67-69F6-4BB3-966A-260D0646A8B7}" type="datetimeFigureOut">
               <a:rPr lang="en-US" smtClean="0"/>
-              <a:t>10/25/2023</a:t>
+              <a:t>11/8/2023</a:t>
             </a:fld>
             <a:endParaRPr lang="en-US"/>
           </a:p>
@@ -1408,7 +1406,7 @@
           <a:p>
             <a:fld id="{B2701F67-69F6-4BB3-966A-260D0646A8B7}" type="datetimeFigureOut">
               <a:rPr lang="en-US" smtClean="0"/>
-              <a:t>10/25/2023</a:t>
+              <a:t>11/8/2023</a:t>
             </a:fld>
             <a:endParaRPr lang="en-US"/>
           </a:p>
@@ -1820,7 +1818,7 @@
           <a:p>
             <a:fld id="{B2701F67-69F6-4BB3-966A-260D0646A8B7}" type="datetimeFigureOut">
               <a:rPr lang="en-US" smtClean="0"/>
-              <a:t>10/25/2023</a:t>
+              <a:t>11/8/2023</a:t>
             </a:fld>
             <a:endParaRPr lang="en-US"/>
           </a:p>
@@ -1961,7 +1959,7 @@
           <a:p>
             <a:fld id="{B2701F67-69F6-4BB3-966A-260D0646A8B7}" type="datetimeFigureOut">
               <a:rPr lang="en-US" smtClean="0"/>
-              <a:t>10/25/2023</a:t>
+              <a:t>11/8/2023</a:t>
             </a:fld>
             <a:endParaRPr lang="en-US"/>
           </a:p>
@@ -2074,7 +2072,7 @@
           <a:p>
             <a:fld id="{B2701F67-69F6-4BB3-966A-260D0646A8B7}" type="datetimeFigureOut">
               <a:rPr lang="en-US" smtClean="0"/>
-              <a:t>10/25/2023</a:t>
+              <a:t>11/8/2023</a:t>
             </a:fld>
             <a:endParaRPr lang="en-US"/>
           </a:p>
@@ -2385,7 +2383,7 @@
           <a:p>
             <a:fld id="{B2701F67-69F6-4BB3-966A-260D0646A8B7}" type="datetimeFigureOut">
               <a:rPr lang="en-US" smtClean="0"/>
-              <a:t>10/25/2023</a:t>
+              <a:t>11/8/2023</a:t>
             </a:fld>
             <a:endParaRPr lang="en-US"/>
           </a:p>
@@ -2673,7 +2671,7 @@
           <a:p>
             <a:fld id="{B2701F67-69F6-4BB3-966A-260D0646A8B7}" type="datetimeFigureOut">
               <a:rPr lang="en-US" smtClean="0"/>
-              <a:t>10/25/2023</a:t>
+              <a:t>11/8/2023</a:t>
             </a:fld>
             <a:endParaRPr lang="en-US"/>
           </a:p>
@@ -2914,7 +2912,7 @@
           <a:p>
             <a:fld id="{B2701F67-69F6-4BB3-966A-260D0646A8B7}" type="datetimeFigureOut">
               <a:rPr lang="en-US" smtClean="0"/>
-              <a:t>10/25/2023</a:t>
+              <a:t>11/8/2023</a:t>
             </a:fld>
             <a:endParaRPr lang="en-US"/>
           </a:p>
@@ -3336,7 +3334,7 @@
           <p:cNvPr id="2" name="Title 1">
             <a:extLst>
               <a:ext uri="{FF2B5EF4-FFF2-40B4-BE49-F238E27FC236}">
-                <a16:creationId xmlns:a16="http://schemas.microsoft.com/office/drawing/2014/main" id="{4991ECDB-6880-D111-819B-7DADED01F912}"/>
+                <a16:creationId xmlns:a16="http://schemas.microsoft.com/office/drawing/2014/main" id="{86244B43-0553-CF79-0730-BA7001E0B774}"/>
               </a:ext>
             </a:extLst>
           </p:cNvPr>
@@ -3354,11 +3352,11 @@
           <a:p>
             <a:r>
               <a:rPr lang="en-US" dirty="0"/>
-              <a:t>S</a:t>
+              <a:t>Heartbeat </a:t>
             </a:r>
             <a:r>
               <a:rPr lang="en-US" altLang="zh-CN" dirty="0"/>
-              <a:t>martphone data</a:t>
+              <a:t>detection with IMU</a:t>
             </a:r>
             <a:endParaRPr lang="en-US" dirty="0"/>
           </a:p>
@@ -3366,10 +3364,10 @@
       </p:sp>
       <p:pic>
         <p:nvPicPr>
-          <p:cNvPr id="5" name="Content Placeholder 4" descr="A group of blue and purple lines&#10;&#10;Description automatically generated with medium confidence">
-            <a:extLst>
-              <a:ext uri="{FF2B5EF4-FFF2-40B4-BE49-F238E27FC236}">
-                <a16:creationId xmlns:a16="http://schemas.microsoft.com/office/drawing/2014/main" id="{BCE1ADEA-11CC-0ACC-65FF-E0F55CD9AFC0}"/>
+          <p:cNvPr id="5" name="Content Placeholder 4" descr="A group of different colored lines&#10;&#10;Description automatically generated with medium confidence">
+            <a:extLst>
+              <a:ext uri="{FF2B5EF4-FFF2-40B4-BE49-F238E27FC236}">
+                <a16:creationId xmlns:a16="http://schemas.microsoft.com/office/drawing/2014/main" id="{8FE4E150-40F8-FABC-060F-F450957F24E6}"/>
               </a:ext>
             </a:extLst>
           </p:cNvPr>
@@ -3394,15 +3392,15 @@
         </p:blipFill>
         <p:spPr>
           <a:xfrm>
-            <a:off x="838200" y="1419110"/>
-            <a:ext cx="6928692" cy="5196518"/>
+            <a:off x="838200" y="1434269"/>
+            <a:ext cx="6808207" cy="5106155"/>
           </a:xfrm>
         </p:spPr>
       </p:pic>
     </p:spTree>
     <p:extLst>
       <p:ext uri="{BB962C8B-B14F-4D97-AF65-F5344CB8AC3E}">
-        <p14:creationId xmlns:p14="http://schemas.microsoft.com/office/powerpoint/2010/main" val="2696195694"/>
+        <p14:creationId xmlns:p14="http://schemas.microsoft.com/office/powerpoint/2010/main" val="319261296"/>
       </p:ext>
     </p:extLst>
   </p:cSld>
@@ -3431,10 +3429,114 @@
       </p:grpSpPr>
       <p:sp>
         <p:nvSpPr>
+          <p:cNvPr id="17" name="Rectangle 16">
+            <a:extLst>
+              <a:ext uri="{FF2B5EF4-FFF2-40B4-BE49-F238E27FC236}">
+                <a16:creationId xmlns:a16="http://schemas.microsoft.com/office/drawing/2014/main" id="{D43EFEDE-2E4D-E349-AE89-CA644D50405C}"/>
+              </a:ext>
+            </a:extLst>
+          </p:cNvPr>
+          <p:cNvSpPr/>
+          <p:nvPr/>
+        </p:nvSpPr>
+        <p:spPr>
+          <a:xfrm>
+            <a:off x="1877940" y="5041016"/>
+            <a:ext cx="809136" cy="459955"/>
+          </a:xfrm>
+          <a:prstGeom prst="rect">
+            <a:avLst/>
+          </a:prstGeom>
+          <a:solidFill>
+            <a:schemeClr val="accent2">
+              <a:lumMod val="20000"/>
+              <a:lumOff val="80000"/>
+            </a:schemeClr>
+          </a:solidFill>
+        </p:spPr>
+        <p:style>
+          <a:lnRef idx="2">
+            <a:schemeClr val="accent1">
+              <a:shade val="15000"/>
+            </a:schemeClr>
+          </a:lnRef>
+          <a:fillRef idx="1">
+            <a:schemeClr val="accent1"/>
+          </a:fillRef>
+          <a:effectRef idx="0">
+            <a:schemeClr val="accent1"/>
+          </a:effectRef>
+          <a:fontRef idx="minor">
+            <a:schemeClr val="lt1"/>
+          </a:fontRef>
+        </p:style>
+        <p:txBody>
+          <a:bodyPr rtlCol="0" anchor="ctr"/>
+          <a:lstStyle/>
+          <a:p>
+            <a:pPr algn="ctr"/>
+            <a:endParaRPr lang="en-US" dirty="0"/>
+          </a:p>
+        </p:txBody>
+      </p:sp>
+      <p:sp>
+        <p:nvSpPr>
+          <p:cNvPr id="16" name="Rectangle 15">
+            <a:extLst>
+              <a:ext uri="{FF2B5EF4-FFF2-40B4-BE49-F238E27FC236}">
+                <a16:creationId xmlns:a16="http://schemas.microsoft.com/office/drawing/2014/main" id="{7A77124F-15F4-8B7C-F9C7-FBA32F7763FC}"/>
+              </a:ext>
+            </a:extLst>
+          </p:cNvPr>
+          <p:cNvSpPr/>
+          <p:nvPr/>
+        </p:nvSpPr>
+        <p:spPr>
+          <a:xfrm>
+            <a:off x="1877940" y="3657919"/>
+            <a:ext cx="809135" cy="928652"/>
+          </a:xfrm>
+          <a:prstGeom prst="rect">
+            <a:avLst/>
+          </a:prstGeom>
+          <a:solidFill>
+            <a:schemeClr val="accent4">
+              <a:lumMod val="20000"/>
+              <a:lumOff val="80000"/>
+            </a:schemeClr>
+          </a:solidFill>
+        </p:spPr>
+        <p:style>
+          <a:lnRef idx="2">
+            <a:schemeClr val="accent1">
+              <a:shade val="15000"/>
+            </a:schemeClr>
+          </a:lnRef>
+          <a:fillRef idx="1">
+            <a:schemeClr val="accent1"/>
+          </a:fillRef>
+          <a:effectRef idx="0">
+            <a:schemeClr val="accent1"/>
+          </a:effectRef>
+          <a:fontRef idx="minor">
+            <a:schemeClr val="lt1"/>
+          </a:fontRef>
+        </p:style>
+        <p:txBody>
+          <a:bodyPr rtlCol="0" anchor="ctr"/>
+          <a:lstStyle/>
+          <a:p>
+            <a:pPr algn="ctr"/>
+            <a:endParaRPr lang="en-US" dirty="0"/>
+          </a:p>
+        </p:txBody>
+      </p:sp>
+      <p:sp>
+        <p:nvSpPr>
           <p:cNvPr id="2" name="Title 1">
             <a:extLst>
               <a:ext uri="{FF2B5EF4-FFF2-40B4-BE49-F238E27FC236}">
-                <a16:creationId xmlns:a16="http://schemas.microsoft.com/office/drawing/2014/main" id="{86244B43-0553-CF79-0730-BA7001E0B774}"/>
+                <a16:creationId xmlns:a16="http://schemas.microsoft.com/office/drawing/2014/main" id="{B82AF7AF-21F8-57B0-628E-8660392F9B54}"/>
               </a:ext>
             </a:extLst>
           </p:cNvPr>
@@ -3452,29 +3554,74 @@
           <a:p>
             <a:r>
               <a:rPr lang="en-US" dirty="0"/>
-              <a:t>Heartbeat</a:t>
+              <a:t>Smartphone as Stethoscope</a:t>
             </a:r>
           </a:p>
         </p:txBody>
       </p:sp>
       <p:pic>
         <p:nvPicPr>
-          <p:cNvPr id="5" name="Content Placeholder 4" descr="A group of different colored lines&#10;&#10;Description automatically generated with medium confidence">
-            <a:extLst>
-              <a:ext uri="{FF2B5EF4-FFF2-40B4-BE49-F238E27FC236}">
-                <a16:creationId xmlns:a16="http://schemas.microsoft.com/office/drawing/2014/main" id="{8FE4E150-40F8-FABC-060F-F450957F24E6}"/>
+          <p:cNvPr id="1026" name="Picture 2" descr="Smartphone icon">
+            <a:extLst>
+              <a:ext uri="{FF2B5EF4-FFF2-40B4-BE49-F238E27FC236}">
+                <a16:creationId xmlns:a16="http://schemas.microsoft.com/office/drawing/2014/main" id="{D7A956D7-0BAB-D2BF-0FC4-D713C1285D64}"/>
               </a:ext>
             </a:extLst>
           </p:cNvPr>
           <p:cNvPicPr>
-            <a:picLocks noGrp="1" noChangeAspect="1"/>
+            <a:picLocks noChangeAspect="1" noChangeArrowheads="1"/>
           </p:cNvPicPr>
-          <p:nvPr>
-            <p:ph idx="1"/>
-          </p:nvPr>
+          <p:nvPr/>
         </p:nvPicPr>
         <p:blipFill>
           <a:blip r:embed="rId2">
+            <a:extLst>
+              <a:ext uri="{28A0092B-C50C-407E-A947-70E740481C1C}">
+                <a14:useLocalDpi xmlns:a14="http://schemas.microsoft.com/office/drawing/2010/main" val="0"/>
+              </a:ext>
+            </a:extLst>
+          </a:blip>
+          <a:srcRect/>
+          <a:stretch>
+            <a:fillRect/>
+          </a:stretch>
+        </p:blipFill>
+        <p:spPr bwMode="auto">
+          <a:xfrm>
+            <a:off x="359985" y="3739629"/>
+            <a:ext cx="1459908" cy="1459908"/>
+          </a:xfrm>
+          <a:prstGeom prst="rect">
+            <a:avLst/>
+          </a:prstGeom>
+          <a:noFill/>
+          <a:extLst>
+            <a:ext uri="{909E8E84-426E-40DD-AFC4-6F175D3DCCD1}">
+              <a14:hiddenFill xmlns:a14="http://schemas.microsoft.com/office/drawing/2010/main">
+                <a:solidFill>
+                  <a:srgbClr val="FFFFFF"/>
+                </a:solidFill>
+              </a14:hiddenFill>
+            </a:ext>
+          </a:extLst>
+        </p:spPr>
+      </p:pic>
+      <p:pic>
+        <p:nvPicPr>
+          <p:cNvPr id="11" name="Picture 10" descr="A close up of a device&#10;&#10;Description automatically generated">
+            <a:extLst>
+              <a:ext uri="{FF2B5EF4-FFF2-40B4-BE49-F238E27FC236}">
+                <a16:creationId xmlns:a16="http://schemas.microsoft.com/office/drawing/2014/main" id="{9D5DD624-8F89-0835-9489-398EFF70FC5D}"/>
+              </a:ext>
+            </a:extLst>
+          </p:cNvPr>
+          <p:cNvPicPr>
+            <a:picLocks noChangeAspect="1"/>
+          </p:cNvPicPr>
+          <p:nvPr/>
+        </p:nvPicPr>
+        <p:blipFill>
+          <a:blip r:embed="rId3">
             <a:extLst>
               <a:ext uri="{28A0092B-C50C-407E-A947-70E740481C1C}">
                 <a14:useLocalDpi xmlns:a14="http://schemas.microsoft.com/office/drawing/2010/main" val="0"/>
@@ -3487,15 +3634,849 @@
         </p:blipFill>
         <p:spPr>
           <a:xfrm>
-            <a:off x="838200" y="1690688"/>
-            <a:ext cx="6808207" cy="5106155"/>
-          </a:xfrm>
+            <a:off x="8210240" y="1932588"/>
+            <a:ext cx="1238750" cy="1306275"/>
+          </a:xfrm>
+          <a:prstGeom prst="rect">
+            <a:avLst/>
+          </a:prstGeom>
         </p:spPr>
       </p:pic>
+      <p:pic>
+        <p:nvPicPr>
+          <p:cNvPr id="1028" name="Picture 4" descr="Digital Stethoscope AI">
+            <a:extLst>
+              <a:ext uri="{FF2B5EF4-FFF2-40B4-BE49-F238E27FC236}">
+                <a16:creationId xmlns:a16="http://schemas.microsoft.com/office/drawing/2014/main" id="{8606F30D-6814-32C4-AFDF-03A3D4A41EF9}"/>
+              </a:ext>
+            </a:extLst>
+          </p:cNvPr>
+          <p:cNvPicPr>
+            <a:picLocks noChangeAspect="1" noChangeArrowheads="1"/>
+          </p:cNvPicPr>
+          <p:nvPr/>
+        </p:nvPicPr>
+        <p:blipFill>
+          <a:blip r:embed="rId4">
+            <a:extLst>
+              <a:ext uri="{28A0092B-C50C-407E-A947-70E740481C1C}">
+                <a14:useLocalDpi xmlns:a14="http://schemas.microsoft.com/office/drawing/2010/main" val="0"/>
+              </a:ext>
+            </a:extLst>
+          </a:blip>
+          <a:srcRect/>
+          <a:stretch>
+            <a:fillRect/>
+          </a:stretch>
+        </p:blipFill>
+        <p:spPr bwMode="auto">
+          <a:xfrm>
+            <a:off x="5744914" y="1937781"/>
+            <a:ext cx="1734776" cy="1301082"/>
+          </a:xfrm>
+          <a:prstGeom prst="rect">
+            <a:avLst/>
+          </a:prstGeom>
+          <a:noFill/>
+          <a:extLst>
+            <a:ext uri="{909E8E84-426E-40DD-AFC4-6F175D3DCCD1}">
+              <a14:hiddenFill xmlns:a14="http://schemas.microsoft.com/office/drawing/2010/main">
+                <a:solidFill>
+                  <a:srgbClr val="FFFFFF"/>
+                </a:solidFill>
+              </a14:hiddenFill>
+            </a:ext>
+          </a:extLst>
+        </p:spPr>
+      </p:pic>
+      <p:sp>
+        <p:nvSpPr>
+          <p:cNvPr id="12" name="TextBox 11">
+            <a:extLst>
+              <a:ext uri="{FF2B5EF4-FFF2-40B4-BE49-F238E27FC236}">
+                <a16:creationId xmlns:a16="http://schemas.microsoft.com/office/drawing/2014/main" id="{B7E389BF-CB4D-A9BA-7796-710564A34D2D}"/>
+              </a:ext>
+            </a:extLst>
+          </p:cNvPr>
+          <p:cNvSpPr txBox="1"/>
+          <p:nvPr/>
+        </p:nvSpPr>
+        <p:spPr>
+          <a:xfrm>
+            <a:off x="3825234" y="3713686"/>
+            <a:ext cx="772886" cy="369332"/>
+          </a:xfrm>
+          <a:prstGeom prst="rect">
+            <a:avLst/>
+          </a:prstGeom>
+          <a:noFill/>
+        </p:spPr>
+        <p:txBody>
+          <a:bodyPr wrap="square" rtlCol="0">
+            <a:spAutoFit/>
+          </a:bodyPr>
+          <a:lstStyle/>
+          <a:p>
+            <a:pPr algn="ctr"/>
+            <a:r>
+              <a:rPr lang="en-US" dirty="0"/>
+              <a:t>PCG</a:t>
+            </a:r>
+          </a:p>
+        </p:txBody>
+      </p:sp>
+      <p:sp>
+        <p:nvSpPr>
+          <p:cNvPr id="13" name="TextBox 12">
+            <a:extLst>
+              <a:ext uri="{FF2B5EF4-FFF2-40B4-BE49-F238E27FC236}">
+                <a16:creationId xmlns:a16="http://schemas.microsoft.com/office/drawing/2014/main" id="{3CF4081D-198B-5C6A-EAAA-76D8DBEB1544}"/>
+              </a:ext>
+            </a:extLst>
+          </p:cNvPr>
+          <p:cNvSpPr txBox="1"/>
+          <p:nvPr/>
+        </p:nvSpPr>
+        <p:spPr>
+          <a:xfrm>
+            <a:off x="1914189" y="4173641"/>
+            <a:ext cx="772886" cy="369332"/>
+          </a:xfrm>
+          <a:prstGeom prst="rect">
+            <a:avLst/>
+          </a:prstGeom>
+          <a:noFill/>
+        </p:spPr>
+        <p:txBody>
+          <a:bodyPr wrap="square" rtlCol="0">
+            <a:spAutoFit/>
+          </a:bodyPr>
+          <a:lstStyle/>
+          <a:p>
+            <a:r>
+              <a:rPr lang="en-US" dirty="0"/>
+              <a:t>IMU</a:t>
+            </a:r>
+          </a:p>
+        </p:txBody>
+      </p:sp>
+      <p:sp>
+        <p:nvSpPr>
+          <p:cNvPr id="14" name="TextBox 13">
+            <a:extLst>
+              <a:ext uri="{FF2B5EF4-FFF2-40B4-BE49-F238E27FC236}">
+                <a16:creationId xmlns:a16="http://schemas.microsoft.com/office/drawing/2014/main" id="{108B7A25-8325-FFFB-D408-E49F994D6EB0}"/>
+              </a:ext>
+            </a:extLst>
+          </p:cNvPr>
+          <p:cNvSpPr txBox="1"/>
+          <p:nvPr/>
+        </p:nvSpPr>
+        <p:spPr>
+          <a:xfrm>
+            <a:off x="1914189" y="5090460"/>
+            <a:ext cx="772886" cy="369332"/>
+          </a:xfrm>
+          <a:prstGeom prst="rect">
+            <a:avLst/>
+          </a:prstGeom>
+          <a:noFill/>
+        </p:spPr>
+        <p:txBody>
+          <a:bodyPr wrap="square" rtlCol="0">
+            <a:spAutoFit/>
+          </a:bodyPr>
+          <a:lstStyle/>
+          <a:p>
+            <a:r>
+              <a:rPr lang="en-US" dirty="0"/>
+              <a:t>PPG</a:t>
+            </a:r>
+          </a:p>
+        </p:txBody>
+      </p:sp>
+      <p:sp>
+        <p:nvSpPr>
+          <p:cNvPr id="15" name="TextBox 14">
+            <a:extLst>
+              <a:ext uri="{FF2B5EF4-FFF2-40B4-BE49-F238E27FC236}">
+                <a16:creationId xmlns:a16="http://schemas.microsoft.com/office/drawing/2014/main" id="{E783C7EF-48BD-D36D-FAC7-90EBA781D0F6}"/>
+              </a:ext>
+            </a:extLst>
+          </p:cNvPr>
+          <p:cNvSpPr txBox="1"/>
+          <p:nvPr/>
+        </p:nvSpPr>
+        <p:spPr>
+          <a:xfrm>
+            <a:off x="1914189" y="3718524"/>
+            <a:ext cx="772886" cy="369332"/>
+          </a:xfrm>
+          <a:prstGeom prst="rect">
+            <a:avLst/>
+          </a:prstGeom>
+          <a:noFill/>
+        </p:spPr>
+        <p:txBody>
+          <a:bodyPr wrap="square" rtlCol="0">
+            <a:spAutoFit/>
+          </a:bodyPr>
+          <a:lstStyle/>
+          <a:p>
+            <a:r>
+              <a:rPr lang="en-US" dirty="0"/>
+              <a:t>MIC</a:t>
+            </a:r>
+          </a:p>
+        </p:txBody>
+      </p:sp>
+      <p:cxnSp>
+        <p:nvCxnSpPr>
+          <p:cNvPr id="19" name="Straight Arrow Connector 18">
+            <a:extLst>
+              <a:ext uri="{FF2B5EF4-FFF2-40B4-BE49-F238E27FC236}">
+                <a16:creationId xmlns:a16="http://schemas.microsoft.com/office/drawing/2014/main" id="{0D167671-380A-F0C9-83FB-9638B7D5B589}"/>
+              </a:ext>
+            </a:extLst>
+          </p:cNvPr>
+          <p:cNvCxnSpPr>
+            <a:cxnSpLocks/>
+            <a:stCxn id="15" idx="3"/>
+            <a:endCxn id="12" idx="1"/>
+          </p:cNvCxnSpPr>
+          <p:nvPr/>
+        </p:nvCxnSpPr>
+        <p:spPr>
+          <a:xfrm flipV="1">
+            <a:off x="2687075" y="3898352"/>
+            <a:ext cx="1138159" cy="4838"/>
+          </a:xfrm>
+          <a:prstGeom prst="straightConnector1">
+            <a:avLst/>
+          </a:prstGeom>
+          <a:ln>
+            <a:tailEnd type="triangle"/>
+          </a:ln>
+        </p:spPr>
+        <p:style>
+          <a:lnRef idx="2">
+            <a:schemeClr val="accent1"/>
+          </a:lnRef>
+          <a:fillRef idx="0">
+            <a:schemeClr val="accent1"/>
+          </a:fillRef>
+          <a:effectRef idx="1">
+            <a:schemeClr val="accent1"/>
+          </a:effectRef>
+          <a:fontRef idx="minor">
+            <a:schemeClr val="tx1"/>
+          </a:fontRef>
+        </p:style>
+      </p:cxnSp>
+      <p:cxnSp>
+        <p:nvCxnSpPr>
+          <p:cNvPr id="21" name="Connector: Elbow 20">
+            <a:extLst>
+              <a:ext uri="{FF2B5EF4-FFF2-40B4-BE49-F238E27FC236}">
+                <a16:creationId xmlns:a16="http://schemas.microsoft.com/office/drawing/2014/main" id="{9B241A38-F5D9-EFAB-5653-9C2B32603199}"/>
+              </a:ext>
+            </a:extLst>
+          </p:cNvPr>
+          <p:cNvCxnSpPr>
+            <a:stCxn id="13" idx="3"/>
+            <a:endCxn id="12" idx="1"/>
+          </p:cNvCxnSpPr>
+          <p:nvPr/>
+        </p:nvCxnSpPr>
+        <p:spPr>
+          <a:xfrm flipV="1">
+            <a:off x="2687075" y="3898352"/>
+            <a:ext cx="1138159" cy="459955"/>
+          </a:xfrm>
+          <a:prstGeom prst="bentConnector3">
+            <a:avLst/>
+          </a:prstGeom>
+          <a:ln>
+            <a:tailEnd type="triangle"/>
+          </a:ln>
+        </p:spPr>
+        <p:style>
+          <a:lnRef idx="2">
+            <a:schemeClr val="accent1"/>
+          </a:lnRef>
+          <a:fillRef idx="0">
+            <a:schemeClr val="accent1"/>
+          </a:fillRef>
+          <a:effectRef idx="1">
+            <a:schemeClr val="accent1"/>
+          </a:effectRef>
+          <a:fontRef idx="minor">
+            <a:schemeClr val="tx1"/>
+          </a:fontRef>
+        </p:style>
+      </p:cxnSp>
+      <p:cxnSp>
+        <p:nvCxnSpPr>
+          <p:cNvPr id="23" name="Connector: Elbow 22">
+            <a:extLst>
+              <a:ext uri="{FF2B5EF4-FFF2-40B4-BE49-F238E27FC236}">
+                <a16:creationId xmlns:a16="http://schemas.microsoft.com/office/drawing/2014/main" id="{40F91509-7802-C3D3-53D6-D8C3860C6039}"/>
+              </a:ext>
+            </a:extLst>
+          </p:cNvPr>
+          <p:cNvCxnSpPr>
+            <a:cxnSpLocks/>
+            <a:stCxn id="14" idx="3"/>
+            <a:endCxn id="12" idx="2"/>
+          </p:cNvCxnSpPr>
+          <p:nvPr/>
+        </p:nvCxnSpPr>
+        <p:spPr>
+          <a:xfrm flipV="1">
+            <a:off x="2687075" y="4083018"/>
+            <a:ext cx="1524602" cy="1192108"/>
+          </a:xfrm>
+          <a:prstGeom prst="bentConnector2">
+            <a:avLst/>
+          </a:prstGeom>
+          <a:ln>
+            <a:tailEnd type="triangle"/>
+          </a:ln>
+        </p:spPr>
+        <p:style>
+          <a:lnRef idx="2">
+            <a:schemeClr val="accent1"/>
+          </a:lnRef>
+          <a:fillRef idx="0">
+            <a:schemeClr val="accent1"/>
+          </a:fillRef>
+          <a:effectRef idx="1">
+            <a:schemeClr val="accent1"/>
+          </a:effectRef>
+          <a:fontRef idx="minor">
+            <a:schemeClr val="tx1"/>
+          </a:fontRef>
+        </p:style>
+      </p:cxnSp>
+      <p:sp>
+        <p:nvSpPr>
+          <p:cNvPr id="25" name="TextBox 24">
+            <a:extLst>
+              <a:ext uri="{FF2B5EF4-FFF2-40B4-BE49-F238E27FC236}">
+                <a16:creationId xmlns:a16="http://schemas.microsoft.com/office/drawing/2014/main" id="{58505209-A645-E816-32EB-7943FE454E28}"/>
+              </a:ext>
+            </a:extLst>
+          </p:cNvPr>
+          <p:cNvSpPr txBox="1"/>
+          <p:nvPr/>
+        </p:nvSpPr>
+        <p:spPr>
+          <a:xfrm>
+            <a:off x="6082652" y="3244056"/>
+            <a:ext cx="1178115" cy="369332"/>
+          </a:xfrm>
+          <a:prstGeom prst="rect">
+            <a:avLst/>
+          </a:prstGeom>
+          <a:noFill/>
+        </p:spPr>
+        <p:txBody>
+          <a:bodyPr wrap="square" rtlCol="0">
+            <a:spAutoFit/>
+          </a:bodyPr>
+          <a:lstStyle/>
+          <a:p>
+            <a:pPr algn="ctr"/>
+            <a:r>
+              <a:rPr lang="en-US" dirty="0"/>
+              <a:t>Low-end</a:t>
+            </a:r>
+          </a:p>
+        </p:txBody>
+      </p:sp>
+      <p:sp>
+        <p:nvSpPr>
+          <p:cNvPr id="26" name="TextBox 25">
+            <a:extLst>
+              <a:ext uri="{FF2B5EF4-FFF2-40B4-BE49-F238E27FC236}">
+                <a16:creationId xmlns:a16="http://schemas.microsoft.com/office/drawing/2014/main" id="{61A73879-902D-2F6B-7647-15711B0E29C3}"/>
+              </a:ext>
+            </a:extLst>
+          </p:cNvPr>
+          <p:cNvSpPr txBox="1"/>
+          <p:nvPr/>
+        </p:nvSpPr>
+        <p:spPr>
+          <a:xfrm>
+            <a:off x="8268495" y="3244056"/>
+            <a:ext cx="1178115" cy="369332"/>
+          </a:xfrm>
+          <a:prstGeom prst="rect">
+            <a:avLst/>
+          </a:prstGeom>
+          <a:noFill/>
+        </p:spPr>
+        <p:txBody>
+          <a:bodyPr wrap="square" rtlCol="0">
+            <a:spAutoFit/>
+          </a:bodyPr>
+          <a:lstStyle/>
+          <a:p>
+            <a:pPr algn="ctr"/>
+            <a:r>
+              <a:rPr lang="en-US" dirty="0"/>
+              <a:t>High-end</a:t>
+            </a:r>
+          </a:p>
+        </p:txBody>
+      </p:sp>
+      <p:sp>
+        <p:nvSpPr>
+          <p:cNvPr id="27" name="TextBox 26">
+            <a:extLst>
+              <a:ext uri="{FF2B5EF4-FFF2-40B4-BE49-F238E27FC236}">
+                <a16:creationId xmlns:a16="http://schemas.microsoft.com/office/drawing/2014/main" id="{F20739BE-25FC-DB84-FC02-9C9D82AA67B8}"/>
+              </a:ext>
+            </a:extLst>
+          </p:cNvPr>
+          <p:cNvSpPr txBox="1"/>
+          <p:nvPr/>
+        </p:nvSpPr>
+        <p:spPr>
+          <a:xfrm>
+            <a:off x="4857446" y="4052837"/>
+            <a:ext cx="6004076" cy="1446550"/>
+          </a:xfrm>
+          <a:prstGeom prst="rect">
+            <a:avLst/>
+          </a:prstGeom>
+          <a:noFill/>
+        </p:spPr>
+        <p:txBody>
+          <a:bodyPr wrap="square" rtlCol="0">
+            <a:spAutoFit/>
+          </a:bodyPr>
+          <a:lstStyle/>
+          <a:p>
+            <a:r>
+              <a:rPr lang="en-US" sz="2200" dirty="0"/>
+              <a:t>How to improve PCG recording?</a:t>
+            </a:r>
+          </a:p>
+          <a:p>
+            <a:pPr marL="285750" indent="-285750">
+              <a:buFont typeface="Arial" panose="020B0604020202020204" pitchFamily="34" charset="0"/>
+              <a:buChar char="•"/>
+            </a:pPr>
+            <a:r>
+              <a:rPr lang="en-US" sz="2200" dirty="0"/>
+              <a:t>Measurement: drawbacks of mobile device.</a:t>
+            </a:r>
+          </a:p>
+          <a:p>
+            <a:pPr marL="285750" indent="-285750">
+              <a:buFont typeface="Arial" panose="020B0604020202020204" pitchFamily="34" charset="0"/>
+              <a:buChar char="•"/>
+            </a:pPr>
+            <a:r>
+              <a:rPr lang="en-US" sz="2200" dirty="0"/>
+              <a:t>Extra information from IMU, PPG.</a:t>
+            </a:r>
+          </a:p>
+          <a:p>
+            <a:pPr marL="285750" indent="-285750">
+              <a:buFont typeface="Arial" panose="020B0604020202020204" pitchFamily="34" charset="0"/>
+              <a:buChar char="•"/>
+            </a:pPr>
+            <a:r>
+              <a:rPr lang="en-US" sz="2200" dirty="0"/>
+              <a:t>Data scarcity if deep learning.</a:t>
+            </a:r>
+          </a:p>
+        </p:txBody>
+      </p:sp>
+      <p:cxnSp>
+        <p:nvCxnSpPr>
+          <p:cNvPr id="3" name="Straight Arrow Connector 2">
+            <a:extLst>
+              <a:ext uri="{FF2B5EF4-FFF2-40B4-BE49-F238E27FC236}">
+                <a16:creationId xmlns:a16="http://schemas.microsoft.com/office/drawing/2014/main" id="{BB1E08F5-6731-09BF-41AD-B80D0A655DF5}"/>
+              </a:ext>
+            </a:extLst>
+          </p:cNvPr>
+          <p:cNvCxnSpPr>
+            <a:cxnSpLocks/>
+          </p:cNvCxnSpPr>
+          <p:nvPr/>
+        </p:nvCxnSpPr>
+        <p:spPr>
+          <a:xfrm>
+            <a:off x="3921994" y="3735325"/>
+            <a:ext cx="7210463" cy="0"/>
+          </a:xfrm>
+          <a:prstGeom prst="straightConnector1">
+            <a:avLst/>
+          </a:prstGeom>
+          <a:ln>
+            <a:tailEnd type="triangle"/>
+          </a:ln>
+        </p:spPr>
+        <p:style>
+          <a:lnRef idx="2">
+            <a:schemeClr val="accent1"/>
+          </a:lnRef>
+          <a:fillRef idx="0">
+            <a:schemeClr val="accent1"/>
+          </a:fillRef>
+          <a:effectRef idx="1">
+            <a:schemeClr val="accent1"/>
+          </a:effectRef>
+          <a:fontRef idx="minor">
+            <a:schemeClr val="tx1"/>
+          </a:fontRef>
+        </p:style>
+      </p:cxnSp>
+      <p:pic>
+        <p:nvPicPr>
+          <p:cNvPr id="9" name="Picture 2" descr="Smartphone icon">
+            <a:extLst>
+              <a:ext uri="{FF2B5EF4-FFF2-40B4-BE49-F238E27FC236}">
+                <a16:creationId xmlns:a16="http://schemas.microsoft.com/office/drawing/2014/main" id="{E51DF208-A7CE-4E88-6154-A22F611E7131}"/>
+              </a:ext>
+            </a:extLst>
+          </p:cNvPr>
+          <p:cNvPicPr>
+            <a:picLocks noChangeAspect="1" noChangeArrowheads="1"/>
+          </p:cNvPicPr>
+          <p:nvPr/>
+        </p:nvPicPr>
+        <p:blipFill>
+          <a:blip r:embed="rId2">
+            <a:extLst>
+              <a:ext uri="{28A0092B-C50C-407E-A947-70E740481C1C}">
+                <a14:useLocalDpi xmlns:a14="http://schemas.microsoft.com/office/drawing/2010/main" val="0"/>
+              </a:ext>
+            </a:extLst>
+          </a:blip>
+          <a:srcRect/>
+          <a:stretch>
+            <a:fillRect/>
+          </a:stretch>
+        </p:blipFill>
+        <p:spPr bwMode="auto">
+          <a:xfrm>
+            <a:off x="3641761" y="2041911"/>
+            <a:ext cx="1087627" cy="1087627"/>
+          </a:xfrm>
+          <a:prstGeom prst="rect">
+            <a:avLst/>
+          </a:prstGeom>
+          <a:noFill/>
+          <a:extLst>
+            <a:ext uri="{909E8E84-426E-40DD-AFC4-6F175D3DCCD1}">
+              <a14:hiddenFill xmlns:a14="http://schemas.microsoft.com/office/drawing/2010/main">
+                <a:solidFill>
+                  <a:srgbClr val="FFFFFF"/>
+                </a:solidFill>
+              </a14:hiddenFill>
+            </a:ext>
+          </a:extLst>
+        </p:spPr>
+      </p:pic>
+      <p:sp>
+        <p:nvSpPr>
+          <p:cNvPr id="10" name="TextBox 9">
+            <a:extLst>
+              <a:ext uri="{FF2B5EF4-FFF2-40B4-BE49-F238E27FC236}">
+                <a16:creationId xmlns:a16="http://schemas.microsoft.com/office/drawing/2014/main" id="{DEBE3902-15B7-7328-8225-1A505AC4A8C3}"/>
+              </a:ext>
+            </a:extLst>
+          </p:cNvPr>
+          <p:cNvSpPr txBox="1"/>
+          <p:nvPr/>
+        </p:nvSpPr>
+        <p:spPr>
+          <a:xfrm>
+            <a:off x="3679331" y="3238863"/>
+            <a:ext cx="1178115" cy="369332"/>
+          </a:xfrm>
+          <a:prstGeom prst="rect">
+            <a:avLst/>
+          </a:prstGeom>
+          <a:noFill/>
+        </p:spPr>
+        <p:txBody>
+          <a:bodyPr wrap="square" rtlCol="0">
+            <a:spAutoFit/>
+          </a:bodyPr>
+          <a:lstStyle/>
+          <a:p>
+            <a:pPr algn="ctr"/>
+            <a:r>
+              <a:rPr lang="en-US" dirty="0"/>
+              <a:t>M</a:t>
+            </a:r>
+            <a:r>
+              <a:rPr lang="en-US" altLang="zh-CN" dirty="0"/>
+              <a:t>obile</a:t>
+            </a:r>
+            <a:endParaRPr lang="en-US" dirty="0"/>
+          </a:p>
+        </p:txBody>
+      </p:sp>
+      <p:sp>
+        <p:nvSpPr>
+          <p:cNvPr id="24" name="TextBox 23">
+            <a:extLst>
+              <a:ext uri="{FF2B5EF4-FFF2-40B4-BE49-F238E27FC236}">
+                <a16:creationId xmlns:a16="http://schemas.microsoft.com/office/drawing/2014/main" id="{7F0689A0-2567-6CF7-88D8-0360FB42DE6F}"/>
+              </a:ext>
+            </a:extLst>
+          </p:cNvPr>
+          <p:cNvSpPr txBox="1"/>
+          <p:nvPr/>
+        </p:nvSpPr>
+        <p:spPr>
+          <a:xfrm>
+            <a:off x="10900774" y="3365993"/>
+            <a:ext cx="870137" cy="369332"/>
+          </a:xfrm>
+          <a:prstGeom prst="rect">
+            <a:avLst/>
+          </a:prstGeom>
+          <a:noFill/>
+        </p:spPr>
+        <p:txBody>
+          <a:bodyPr wrap="square" rtlCol="0">
+            <a:spAutoFit/>
+          </a:bodyPr>
+          <a:lstStyle/>
+          <a:p>
+            <a:pPr algn="ctr"/>
+            <a:r>
+              <a:rPr lang="en-US" dirty="0"/>
+              <a:t>Better</a:t>
+            </a:r>
+          </a:p>
+        </p:txBody>
+      </p:sp>
+      <p:pic>
+        <p:nvPicPr>
+          <p:cNvPr id="28" name="Picture 2" descr="Ecg - Free electronics icons">
+            <a:extLst>
+              <a:ext uri="{FF2B5EF4-FFF2-40B4-BE49-F238E27FC236}">
+                <a16:creationId xmlns:a16="http://schemas.microsoft.com/office/drawing/2014/main" id="{134F9A36-5687-38B0-6C04-3003937ADE8A}"/>
+              </a:ext>
+            </a:extLst>
+          </p:cNvPr>
+          <p:cNvPicPr>
+            <a:picLocks noChangeAspect="1" noChangeArrowheads="1"/>
+          </p:cNvPicPr>
+          <p:nvPr/>
+        </p:nvPicPr>
+        <p:blipFill>
+          <a:blip r:embed="rId5">
+            <a:extLst>
+              <a:ext uri="{28A0092B-C50C-407E-A947-70E740481C1C}">
+                <a14:useLocalDpi xmlns:a14="http://schemas.microsoft.com/office/drawing/2010/main" val="0"/>
+              </a:ext>
+            </a:extLst>
+          </a:blip>
+          <a:srcRect/>
+          <a:stretch>
+            <a:fillRect/>
+          </a:stretch>
+        </p:blipFill>
+        <p:spPr bwMode="auto">
+          <a:xfrm>
+            <a:off x="9802169" y="2037968"/>
+            <a:ext cx="1095511" cy="1095511"/>
+          </a:xfrm>
+          <a:prstGeom prst="rect">
+            <a:avLst/>
+          </a:prstGeom>
+          <a:noFill/>
+          <a:extLst>
+            <a:ext uri="{909E8E84-426E-40DD-AFC4-6F175D3DCCD1}">
+              <a14:hiddenFill xmlns:a14="http://schemas.microsoft.com/office/drawing/2010/main">
+                <a:solidFill>
+                  <a:srgbClr val="FFFFFF"/>
+                </a:solidFill>
+              </a14:hiddenFill>
+            </a:ext>
+          </a:extLst>
+        </p:spPr>
+      </p:pic>
+      <p:sp>
+        <p:nvSpPr>
+          <p:cNvPr id="29" name="TextBox 28">
+            <a:extLst>
+              <a:ext uri="{FF2B5EF4-FFF2-40B4-BE49-F238E27FC236}">
+                <a16:creationId xmlns:a16="http://schemas.microsoft.com/office/drawing/2014/main" id="{C0FD03DE-A46B-38C8-3F6E-C3BF66E9DA23}"/>
+              </a:ext>
+            </a:extLst>
+          </p:cNvPr>
+          <p:cNvSpPr txBox="1"/>
+          <p:nvPr/>
+        </p:nvSpPr>
+        <p:spPr>
+          <a:xfrm>
+            <a:off x="9802169" y="3243761"/>
+            <a:ext cx="1178115" cy="369332"/>
+          </a:xfrm>
+          <a:prstGeom prst="rect">
+            <a:avLst/>
+          </a:prstGeom>
+          <a:noFill/>
+        </p:spPr>
+        <p:txBody>
+          <a:bodyPr wrap="square" rtlCol="0">
+            <a:spAutoFit/>
+          </a:bodyPr>
+          <a:lstStyle/>
+          <a:p>
+            <a:pPr algn="ctr"/>
+            <a:r>
+              <a:rPr lang="en-US" dirty="0"/>
+              <a:t>ECG</a:t>
+            </a:r>
+          </a:p>
+        </p:txBody>
+      </p:sp>
+      <p:pic>
+        <p:nvPicPr>
+          <p:cNvPr id="30" name="Picture 4" descr="The Gold Standard | Wiki | Medieval Fantasy (RP) Amino">
+            <a:extLst>
+              <a:ext uri="{FF2B5EF4-FFF2-40B4-BE49-F238E27FC236}">
+                <a16:creationId xmlns:a16="http://schemas.microsoft.com/office/drawing/2014/main" id="{ED967DE5-A0E0-01D4-AFA6-701515B5FBFA}"/>
+              </a:ext>
+            </a:extLst>
+          </p:cNvPr>
+          <p:cNvPicPr>
+            <a:picLocks noChangeAspect="1" noChangeArrowheads="1"/>
+          </p:cNvPicPr>
+          <p:nvPr/>
+        </p:nvPicPr>
+        <p:blipFill>
+          <a:blip r:embed="rId6">
+            <a:extLst>
+              <a:ext uri="{28A0092B-C50C-407E-A947-70E740481C1C}">
+                <a14:useLocalDpi xmlns:a14="http://schemas.microsoft.com/office/drawing/2010/main" val="0"/>
+              </a:ext>
+            </a:extLst>
+          </a:blip>
+          <a:srcRect/>
+          <a:stretch>
+            <a:fillRect/>
+          </a:stretch>
+        </p:blipFill>
+        <p:spPr bwMode="auto">
+          <a:xfrm>
+            <a:off x="10673557" y="1526313"/>
+            <a:ext cx="573334" cy="578794"/>
+          </a:xfrm>
+          <a:prstGeom prst="rect">
+            <a:avLst/>
+          </a:prstGeom>
+          <a:noFill/>
+          <a:extLst>
+            <a:ext uri="{909E8E84-426E-40DD-AFC4-6F175D3DCCD1}">
+              <a14:hiddenFill xmlns:a14="http://schemas.microsoft.com/office/drawing/2010/main">
+                <a:solidFill>
+                  <a:srgbClr val="FFFFFF"/>
+                </a:solidFill>
+              </a14:hiddenFill>
+            </a:ext>
+          </a:extLst>
+        </p:spPr>
+      </p:pic>
+      <p:sp>
+        <p:nvSpPr>
+          <p:cNvPr id="34" name="TextBox 33">
+            <a:extLst>
+              <a:ext uri="{FF2B5EF4-FFF2-40B4-BE49-F238E27FC236}">
+                <a16:creationId xmlns:a16="http://schemas.microsoft.com/office/drawing/2014/main" id="{2AC499DE-8E8C-82C6-BAA5-9E59F39AE2FB}"/>
+              </a:ext>
+            </a:extLst>
+          </p:cNvPr>
+          <p:cNvSpPr txBox="1"/>
+          <p:nvPr/>
+        </p:nvSpPr>
+        <p:spPr>
+          <a:xfrm>
+            <a:off x="6225859" y="1428084"/>
+            <a:ext cx="772886" cy="369332"/>
+          </a:xfrm>
+          <a:prstGeom prst="rect">
+            <a:avLst/>
+          </a:prstGeom>
+          <a:noFill/>
+        </p:spPr>
+        <p:txBody>
+          <a:bodyPr wrap="square" rtlCol="0">
+            <a:spAutoFit/>
+          </a:bodyPr>
+          <a:lstStyle/>
+          <a:p>
+            <a:pPr algn="ctr"/>
+            <a:r>
+              <a:rPr lang="en-US" dirty="0"/>
+              <a:t>PCG</a:t>
+            </a:r>
+          </a:p>
+        </p:txBody>
+      </p:sp>
+      <p:sp>
+        <p:nvSpPr>
+          <p:cNvPr id="35" name="Rectangle 34">
+            <a:extLst>
+              <a:ext uri="{FF2B5EF4-FFF2-40B4-BE49-F238E27FC236}">
+                <a16:creationId xmlns:a16="http://schemas.microsoft.com/office/drawing/2014/main" id="{5772ECE3-3D6F-D8A7-ED93-EDD614917367}"/>
+              </a:ext>
+            </a:extLst>
+          </p:cNvPr>
+          <p:cNvSpPr/>
+          <p:nvPr/>
+        </p:nvSpPr>
+        <p:spPr>
+          <a:xfrm>
+            <a:off x="3507624" y="1800012"/>
+            <a:ext cx="6149214" cy="1808182"/>
+          </a:xfrm>
+          <a:prstGeom prst="rect">
+            <a:avLst/>
+          </a:prstGeom>
+          <a:noFill/>
+        </p:spPr>
+        <p:style>
+          <a:lnRef idx="2">
+            <a:schemeClr val="accent1">
+              <a:shade val="15000"/>
+            </a:schemeClr>
+          </a:lnRef>
+          <a:fillRef idx="1">
+            <a:schemeClr val="accent1"/>
+          </a:fillRef>
+          <a:effectRef idx="0">
+            <a:schemeClr val="accent1"/>
+          </a:effectRef>
+          <a:fontRef idx="minor">
+            <a:schemeClr val="lt1"/>
+          </a:fontRef>
+        </p:style>
+        <p:txBody>
+          <a:bodyPr rtlCol="0" anchor="ctr"/>
+          <a:lstStyle/>
+          <a:p>
+            <a:pPr algn="ctr"/>
+            <a:endParaRPr lang="en-US"/>
+          </a:p>
+        </p:txBody>
+      </p:sp>
     </p:spTree>
     <p:extLst>
       <p:ext uri="{BB962C8B-B14F-4D97-AF65-F5344CB8AC3E}">
-        <p14:creationId xmlns:p14="http://schemas.microsoft.com/office/powerpoint/2010/main" val="319261296"/>
+        <p14:creationId xmlns:p14="http://schemas.microsoft.com/office/powerpoint/2010/main" val="3476191028"/>
       </p:ext>
     </p:extLst>
   </p:cSld>
@@ -3527,7 +4508,7 @@
           <p:cNvPr id="2" name="Title 1">
             <a:extLst>
               <a:ext uri="{FF2B5EF4-FFF2-40B4-BE49-F238E27FC236}">
-                <a16:creationId xmlns:a16="http://schemas.microsoft.com/office/drawing/2014/main" id="{FC4FADE0-47EC-F88F-E27D-FA8159356C0A}"/>
+                <a16:creationId xmlns:a16="http://schemas.microsoft.com/office/drawing/2014/main" id="{D772DC47-FE4B-8260-E5B1-58B4D35FCAF6}"/>
               </a:ext>
             </a:extLst>
           </p:cNvPr>
@@ -3545,133 +4526,17 @@
           <a:p>
             <a:r>
               <a:rPr lang="en-US" dirty="0"/>
-              <a:t>S</a:t>
-            </a:r>
-            <a:r>
-              <a:rPr lang="en-US" altLang="zh-CN" dirty="0"/>
-              <a:t>tethoscope(s)</a:t>
-            </a:r>
-            <a:endParaRPr lang="en-US" dirty="0"/>
-          </a:p>
-        </p:txBody>
-      </p:sp>
-      <p:sp>
-        <p:nvSpPr>
-          <p:cNvPr id="3" name="Content Placeholder 2">
-            <a:extLst>
-              <a:ext uri="{FF2B5EF4-FFF2-40B4-BE49-F238E27FC236}">
-                <a16:creationId xmlns:a16="http://schemas.microsoft.com/office/drawing/2014/main" id="{BBF3A23A-8D4B-AA1F-2D1E-006F50D7D1DA}"/>
-              </a:ext>
-            </a:extLst>
-          </p:cNvPr>
-          <p:cNvSpPr>
-            <a:spLocks noGrp="1"/>
-          </p:cNvSpPr>
-          <p:nvPr>
-            <p:ph idx="1"/>
-          </p:nvPr>
-        </p:nvSpPr>
-        <p:spPr/>
-        <p:txBody>
-          <a:bodyPr/>
-          <a:lstStyle/>
-          <a:p>
-            <a:r>
-              <a:rPr lang="en-US" dirty="0"/>
-              <a:t>3M Littmann</a:t>
-            </a:r>
-          </a:p>
-          <a:p>
-            <a:pPr marL="514350" indent="-514350">
-              <a:buFont typeface="+mj-lt"/>
-              <a:buAutoNum type="arabicPeriod"/>
-            </a:pPr>
-            <a:r>
-              <a:rPr lang="en-US" dirty="0"/>
-              <a:t>Return</a:t>
-            </a:r>
-          </a:p>
-          <a:p>
-            <a:pPr marL="514350" indent="-514350">
-              <a:buFont typeface="+mj-lt"/>
-              <a:buAutoNum type="arabicPeriod"/>
-            </a:pPr>
-            <a:r>
-              <a:rPr lang="en-US" dirty="0"/>
-              <a:t>Keep, record it with external microphone</a:t>
-            </a:r>
-          </a:p>
-          <a:p>
-            <a:r>
-              <a:rPr lang="en-US" dirty="0" err="1"/>
-              <a:t>Thinklabs</a:t>
-            </a:r>
-            <a:r>
-              <a:rPr lang="en-US" dirty="0"/>
-              <a:t> stethoscope</a:t>
-            </a:r>
-          </a:p>
-          <a:p>
-            <a:r>
-              <a:rPr lang="en-US" dirty="0"/>
-              <a:t>Cheap stethoscope</a:t>
+              <a:t>Measurement</a:t>
             </a:r>
           </a:p>
         </p:txBody>
       </p:sp>
       <p:pic>
         <p:nvPicPr>
-          <p:cNvPr id="1026" name="Picture 2" descr="Digital Stethoscope AI">
-            <a:extLst>
-              <a:ext uri="{FF2B5EF4-FFF2-40B4-BE49-F238E27FC236}">
-                <a16:creationId xmlns:a16="http://schemas.microsoft.com/office/drawing/2014/main" id="{8426581F-A887-DAAE-9B00-116B0ECF5691}"/>
-              </a:ext>
-            </a:extLst>
-          </p:cNvPr>
-          <p:cNvPicPr>
-            <a:picLocks noChangeAspect="1" noChangeArrowheads="1"/>
-          </p:cNvPicPr>
-          <p:nvPr/>
-        </p:nvPicPr>
-        <p:blipFill>
-          <a:blip r:embed="rId2">
-            <a:extLst>
-              <a:ext uri="{28A0092B-C50C-407E-A947-70E740481C1C}">
-                <a14:useLocalDpi xmlns:a14="http://schemas.microsoft.com/office/drawing/2010/main" val="0"/>
-              </a:ext>
-            </a:extLst>
-          </a:blip>
-          <a:srcRect/>
-          <a:stretch>
-            <a:fillRect/>
-          </a:stretch>
-        </p:blipFill>
-        <p:spPr bwMode="auto">
-          <a:xfrm>
-            <a:off x="983485" y="4500391"/>
-            <a:ext cx="2828351" cy="2121263"/>
-          </a:xfrm>
-          <a:prstGeom prst="rect">
-            <a:avLst/>
-          </a:prstGeom>
-          <a:noFill/>
-          <a:extLst>
-            <a:ext uri="{909E8E84-426E-40DD-AFC4-6F175D3DCCD1}">
-              <a14:hiddenFill xmlns:a14="http://schemas.microsoft.com/office/drawing/2010/main">
-                <a:solidFill>
-                  <a:srgbClr val="FFFFFF"/>
-                </a:solidFill>
-              </a14:hiddenFill>
-            </a:ext>
-          </a:extLst>
-        </p:spPr>
-      </p:pic>
-      <p:pic>
-        <p:nvPicPr>
-          <p:cNvPr id="5" name="Picture 4">
-            <a:extLst>
-              <a:ext uri="{FF2B5EF4-FFF2-40B4-BE49-F238E27FC236}">
-                <a16:creationId xmlns:a16="http://schemas.microsoft.com/office/drawing/2014/main" id="{B407BCD6-CAC2-1A1E-F304-797A6C7727D0}"/>
+          <p:cNvPr id="6" name="Content Placeholder 6" descr="A screenshot of a computer screen&#10;&#10;Description automatically generated">
+            <a:extLst>
+              <a:ext uri="{FF2B5EF4-FFF2-40B4-BE49-F238E27FC236}">
+                <a16:creationId xmlns:a16="http://schemas.microsoft.com/office/drawing/2014/main" id="{175A6B19-30A6-2F6E-D4AE-D3C7E1BCB169}"/>
               </a:ext>
             </a:extLst>
           </p:cNvPr>
@@ -3681,25 +4546,257 @@
           <p:nvPr/>
         </p:nvPicPr>
         <p:blipFill>
-          <a:blip r:embed="rId3"/>
+          <a:blip r:embed="rId2">
+            <a:extLst>
+              <a:ext uri="{28A0092B-C50C-407E-A947-70E740481C1C}">
+                <a14:useLocalDpi xmlns:a14="http://schemas.microsoft.com/office/drawing/2010/main" val="0"/>
+              </a:ext>
+            </a:extLst>
+          </a:blip>
           <a:stretch>
             <a:fillRect/>
           </a:stretch>
         </p:blipFill>
         <p:spPr>
           <a:xfrm>
-            <a:off x="3957121" y="4500391"/>
-            <a:ext cx="2828351" cy="2121263"/>
+            <a:off x="5426671" y="1690688"/>
+            <a:ext cx="2778363" cy="997600"/>
           </a:xfrm>
           <a:prstGeom prst="rect">
             <a:avLst/>
           </a:prstGeom>
         </p:spPr>
       </p:pic>
+      <p:pic>
+        <p:nvPicPr>
+          <p:cNvPr id="7" name="Picture 6" descr="A screenshot of a computer screen&#10;&#10;Description automatically generated">
+            <a:extLst>
+              <a:ext uri="{FF2B5EF4-FFF2-40B4-BE49-F238E27FC236}">
+                <a16:creationId xmlns:a16="http://schemas.microsoft.com/office/drawing/2014/main" id="{2A74D5D5-5630-E55E-A820-ECE2066690F9}"/>
+              </a:ext>
+            </a:extLst>
+          </p:cNvPr>
+          <p:cNvPicPr>
+            <a:picLocks noChangeAspect="1"/>
+          </p:cNvPicPr>
+          <p:nvPr/>
+        </p:nvPicPr>
+        <p:blipFill>
+          <a:blip r:embed="rId3">
+            <a:extLst>
+              <a:ext uri="{28A0092B-C50C-407E-A947-70E740481C1C}">
+                <a14:useLocalDpi xmlns:a14="http://schemas.microsoft.com/office/drawing/2010/main" val="0"/>
+              </a:ext>
+            </a:extLst>
+          </a:blip>
+          <a:stretch>
+            <a:fillRect/>
+          </a:stretch>
+        </p:blipFill>
+        <p:spPr>
+          <a:xfrm>
+            <a:off x="5424340" y="2949288"/>
+            <a:ext cx="2780694" cy="995269"/>
+          </a:xfrm>
+          <a:prstGeom prst="rect">
+            <a:avLst/>
+          </a:prstGeom>
+        </p:spPr>
+      </p:pic>
+      <p:sp>
+        <p:nvSpPr>
+          <p:cNvPr id="9" name="TextBox 8">
+            <a:extLst>
+              <a:ext uri="{FF2B5EF4-FFF2-40B4-BE49-F238E27FC236}">
+                <a16:creationId xmlns:a16="http://schemas.microsoft.com/office/drawing/2014/main" id="{89F57E48-E541-A5E8-43A2-AE5C678BF4B8}"/>
+              </a:ext>
+            </a:extLst>
+          </p:cNvPr>
+          <p:cNvSpPr txBox="1"/>
+          <p:nvPr/>
+        </p:nvSpPr>
+        <p:spPr>
+          <a:xfrm>
+            <a:off x="7304316" y="1027906"/>
+            <a:ext cx="2540000" cy="367695"/>
+          </a:xfrm>
+          <a:prstGeom prst="rect">
+            <a:avLst/>
+          </a:prstGeom>
+          <a:noFill/>
+        </p:spPr>
+        <p:txBody>
+          <a:bodyPr wrap="square" rtlCol="0">
+            <a:spAutoFit/>
+          </a:bodyPr>
+          <a:lstStyle/>
+          <a:p>
+            <a:pPr algn="ctr"/>
+            <a:r>
+              <a:rPr lang="en-US" dirty="0"/>
+              <a:t>Heart sound sample</a:t>
+            </a:r>
+          </a:p>
+        </p:txBody>
+      </p:sp>
+      <p:pic>
+        <p:nvPicPr>
+          <p:cNvPr id="10" name="Picture 9" descr="A graph with purple and white lines&#10;&#10;Description automatically generated">
+            <a:extLst>
+              <a:ext uri="{FF2B5EF4-FFF2-40B4-BE49-F238E27FC236}">
+                <a16:creationId xmlns:a16="http://schemas.microsoft.com/office/drawing/2014/main" id="{E5045321-0EBF-9FF4-6758-095815A7B6FF}"/>
+              </a:ext>
+            </a:extLst>
+          </p:cNvPr>
+          <p:cNvPicPr>
+            <a:picLocks noChangeAspect="1"/>
+          </p:cNvPicPr>
+          <p:nvPr/>
+        </p:nvPicPr>
+        <p:blipFill>
+          <a:blip r:embed="rId4">
+            <a:extLst>
+              <a:ext uri="{28A0092B-C50C-407E-A947-70E740481C1C}">
+                <a14:useLocalDpi xmlns:a14="http://schemas.microsoft.com/office/drawing/2010/main" val="0"/>
+              </a:ext>
+            </a:extLst>
+          </a:blip>
+          <a:stretch>
+            <a:fillRect/>
+          </a:stretch>
+        </p:blipFill>
+        <p:spPr>
+          <a:xfrm>
+            <a:off x="8652141" y="1513974"/>
+            <a:ext cx="3148766" cy="2639407"/>
+          </a:xfrm>
+          <a:prstGeom prst="rect">
+            <a:avLst/>
+          </a:prstGeom>
+        </p:spPr>
+      </p:pic>
+      <p:pic>
+        <p:nvPicPr>
+          <p:cNvPr id="25" name="Picture 24" descr="A graph of a graph of a number of objects&#10;&#10;Description automatically generated with medium confidence">
+            <a:extLst>
+              <a:ext uri="{FF2B5EF4-FFF2-40B4-BE49-F238E27FC236}">
+                <a16:creationId xmlns:a16="http://schemas.microsoft.com/office/drawing/2014/main" id="{12BA3DDA-D043-9303-0A0C-8099D3B542B7}"/>
+              </a:ext>
+            </a:extLst>
+          </p:cNvPr>
+          <p:cNvPicPr>
+            <a:picLocks noChangeAspect="1"/>
+          </p:cNvPicPr>
+          <p:nvPr/>
+        </p:nvPicPr>
+        <p:blipFill>
+          <a:blip r:embed="rId5">
+            <a:extLst>
+              <a:ext uri="{28A0092B-C50C-407E-A947-70E740481C1C}">
+                <a14:useLocalDpi xmlns:a14="http://schemas.microsoft.com/office/drawing/2010/main" val="0"/>
+              </a:ext>
+            </a:extLst>
+          </a:blip>
+          <a:stretch>
+            <a:fillRect/>
+          </a:stretch>
+        </p:blipFill>
+        <p:spPr>
+          <a:xfrm>
+            <a:off x="838200" y="1400402"/>
+            <a:ext cx="2743206" cy="5486411"/>
+          </a:xfrm>
+          <a:prstGeom prst="rect">
+            <a:avLst/>
+          </a:prstGeom>
+        </p:spPr>
+      </p:pic>
+      <p:sp>
+        <p:nvSpPr>
+          <p:cNvPr id="26" name="TextBox 25">
+            <a:extLst>
+              <a:ext uri="{FF2B5EF4-FFF2-40B4-BE49-F238E27FC236}">
+                <a16:creationId xmlns:a16="http://schemas.microsoft.com/office/drawing/2014/main" id="{9FB30D29-B647-55CD-90EC-1D71DF30DCED}"/>
+              </a:ext>
+            </a:extLst>
+          </p:cNvPr>
+          <p:cNvSpPr txBox="1"/>
+          <p:nvPr/>
+        </p:nvSpPr>
+        <p:spPr>
+          <a:xfrm>
+            <a:off x="5321905" y="4503385"/>
+            <a:ext cx="6231466" cy="923330"/>
+          </a:xfrm>
+          <a:prstGeom prst="rect">
+            <a:avLst/>
+          </a:prstGeom>
+          <a:noFill/>
+        </p:spPr>
+        <p:txBody>
+          <a:bodyPr wrap="square" rtlCol="0">
+            <a:spAutoFit/>
+          </a:bodyPr>
+          <a:lstStyle/>
+          <a:p>
+            <a:pPr marL="342900" indent="-342900">
+              <a:buAutoNum type="arabicPeriod"/>
+            </a:pPr>
+            <a:r>
+              <a:rPr lang="en-US" dirty="0"/>
+              <a:t>Stethoscope has higher gain</a:t>
+            </a:r>
+          </a:p>
+          <a:p>
+            <a:pPr marL="342900" indent="-342900">
+              <a:buAutoNum type="arabicPeriod"/>
+            </a:pPr>
+            <a:r>
+              <a:rPr lang="en-US" dirty="0"/>
+              <a:t>The advantage is more obvious in low-frequency band, which is also the main components of heart sound.</a:t>
+            </a:r>
+          </a:p>
+        </p:txBody>
+      </p:sp>
+      <p:sp>
+        <p:nvSpPr>
+          <p:cNvPr id="27" name="TextBox 26">
+            <a:extLst>
+              <a:ext uri="{FF2B5EF4-FFF2-40B4-BE49-F238E27FC236}">
+                <a16:creationId xmlns:a16="http://schemas.microsoft.com/office/drawing/2014/main" id="{F85EDFEE-6459-F82F-8874-58EEF2838883}"/>
+              </a:ext>
+            </a:extLst>
+          </p:cNvPr>
+          <p:cNvSpPr txBox="1"/>
+          <p:nvPr/>
+        </p:nvSpPr>
+        <p:spPr>
+          <a:xfrm>
+            <a:off x="5321905" y="5704114"/>
+            <a:ext cx="5573486" cy="430887"/>
+          </a:xfrm>
+          <a:prstGeom prst="rect">
+            <a:avLst/>
+          </a:prstGeom>
+          <a:noFill/>
+        </p:spPr>
+        <p:txBody>
+          <a:bodyPr wrap="square" rtlCol="0">
+            <a:spAutoFit/>
+          </a:bodyPr>
+          <a:lstStyle/>
+          <a:p>
+            <a:r>
+              <a:rPr lang="en-US" sz="2200" dirty="0"/>
+              <a:t>IMU (low-pass filter) may help!</a:t>
+            </a:r>
+          </a:p>
+        </p:txBody>
+      </p:sp>
     </p:spTree>
     <p:extLst>
       <p:ext uri="{BB962C8B-B14F-4D97-AF65-F5344CB8AC3E}">
-        <p14:creationId xmlns:p14="http://schemas.microsoft.com/office/powerpoint/2010/main" val="4067212226"/>
+        <p14:creationId xmlns:p14="http://schemas.microsoft.com/office/powerpoint/2010/main" val="1981226544"/>
       </p:ext>
     </p:extLst>
   </p:cSld>
@@ -3731,7 +4828,7 @@
           <p:cNvPr id="2" name="Title 1">
             <a:extLst>
               <a:ext uri="{FF2B5EF4-FFF2-40B4-BE49-F238E27FC236}">
-                <a16:creationId xmlns:a16="http://schemas.microsoft.com/office/drawing/2014/main" id="{E5D79D59-E40D-941B-AFF9-305AF8FA5439}"/>
+                <a16:creationId xmlns:a16="http://schemas.microsoft.com/office/drawing/2014/main" id="{E2F2DB25-F2F4-2F4B-588E-077AD72FF3F8}"/>
               </a:ext>
             </a:extLst>
           </p:cNvPr>
@@ -3749,22 +4846,102 @@
           <a:p>
             <a:r>
               <a:rPr lang="en-US" dirty="0"/>
-              <a:t>C</a:t>
-            </a:r>
-            <a:r>
-              <a:rPr lang="en-US" altLang="zh-CN" dirty="0"/>
-              <a:t>omparison</a:t>
-            </a:r>
-            <a:endParaRPr lang="en-US" dirty="0"/>
+              <a:t>Heart sound playback</a:t>
+            </a:r>
+          </a:p>
+        </p:txBody>
+      </p:sp>
+      <p:sp>
+        <p:nvSpPr>
+          <p:cNvPr id="16" name="Rectangle 15">
+            <a:extLst>
+              <a:ext uri="{FF2B5EF4-FFF2-40B4-BE49-F238E27FC236}">
+                <a16:creationId xmlns:a16="http://schemas.microsoft.com/office/drawing/2014/main" id="{3ED480BA-D90A-0134-354F-943F44A31808}"/>
+              </a:ext>
+            </a:extLst>
+          </p:cNvPr>
+          <p:cNvSpPr/>
+          <p:nvPr/>
+        </p:nvSpPr>
+        <p:spPr>
+          <a:xfrm>
+            <a:off x="1823962" y="2333513"/>
+            <a:ext cx="1112762" cy="624114"/>
+          </a:xfrm>
+          <a:prstGeom prst="rect">
+            <a:avLst/>
+          </a:prstGeom>
+        </p:spPr>
+        <p:style>
+          <a:lnRef idx="2">
+            <a:schemeClr val="accent2">
+              <a:shade val="15000"/>
+            </a:schemeClr>
+          </a:lnRef>
+          <a:fillRef idx="1">
+            <a:schemeClr val="accent2"/>
+          </a:fillRef>
+          <a:effectRef idx="0">
+            <a:schemeClr val="accent2"/>
+          </a:effectRef>
+          <a:fontRef idx="minor">
+            <a:schemeClr val="lt1"/>
+          </a:fontRef>
+        </p:style>
+        <p:txBody>
+          <a:bodyPr rtlCol="0" anchor="ctr"/>
+          <a:lstStyle/>
+          <a:p>
+            <a:pPr algn="ctr"/>
+            <a:r>
+              <a:rPr lang="en-US" dirty="0"/>
+              <a:t>Speaker</a:t>
+            </a:r>
           </a:p>
         </p:txBody>
       </p:sp>
       <p:pic>
         <p:nvPicPr>
-          <p:cNvPr id="1026" name="Picture 2" descr="Amazon.com: 1007079-1 - Contact Microphone, CM-01B, PVDF Piezo Film, 40  V/mm, 8 to 2200 Hz, 5 Vdc : 工業與科學">
-            <a:extLst>
-              <a:ext uri="{FF2B5EF4-FFF2-40B4-BE49-F238E27FC236}">
-                <a16:creationId xmlns:a16="http://schemas.microsoft.com/office/drawing/2014/main" id="{2DADCC80-AB76-E659-985D-84F4238475CE}"/>
+          <p:cNvPr id="18" name="Picture 17" descr="A plastic object with a speaker and stethoscope&#10;&#10;Description automatically generated">
+            <a:extLst>
+              <a:ext uri="{FF2B5EF4-FFF2-40B4-BE49-F238E27FC236}">
+                <a16:creationId xmlns:a16="http://schemas.microsoft.com/office/drawing/2014/main" id="{17229E7D-A4FC-3A00-ACD6-C82F6BE77F66}"/>
+              </a:ext>
+            </a:extLst>
+          </p:cNvPr>
+          <p:cNvPicPr>
+            <a:picLocks noChangeAspect="1"/>
+          </p:cNvPicPr>
+          <p:nvPr/>
+        </p:nvPicPr>
+        <p:blipFill>
+          <a:blip r:embed="rId2">
+            <a:extLst>
+              <a:ext uri="{28A0092B-C50C-407E-A947-70E740481C1C}">
+                <a14:useLocalDpi xmlns:a14="http://schemas.microsoft.com/office/drawing/2010/main" val="0"/>
+              </a:ext>
+            </a:extLst>
+          </a:blip>
+          <a:stretch>
+            <a:fillRect/>
+          </a:stretch>
+        </p:blipFill>
+        <p:spPr>
+          <a:xfrm>
+            <a:off x="5154412" y="1398807"/>
+            <a:ext cx="1612959" cy="1554659"/>
+          </a:xfrm>
+          <a:prstGeom prst="rect">
+            <a:avLst/>
+          </a:prstGeom>
+        </p:spPr>
+      </p:pic>
+      <p:pic>
+        <p:nvPicPr>
+          <p:cNvPr id="19" name="Picture 2" descr="Smartphone icon">
+            <a:extLst>
+              <a:ext uri="{FF2B5EF4-FFF2-40B4-BE49-F238E27FC236}">
+                <a16:creationId xmlns:a16="http://schemas.microsoft.com/office/drawing/2014/main" id="{9C1A7949-2DD8-5360-7E0A-19649EB5DFE7}"/>
               </a:ext>
             </a:extLst>
           </p:cNvPr>
@@ -3774,7 +4951,7 @@
           <p:nvPr/>
         </p:nvPicPr>
         <p:blipFill>
-          <a:blip r:embed="rId2">
+          <a:blip r:embed="rId3">
             <a:extLst>
               <a:ext uri="{28A0092B-C50C-407E-A947-70E740481C1C}">
                 <a14:useLocalDpi xmlns:a14="http://schemas.microsoft.com/office/drawing/2010/main" val="0"/>
@@ -3788,8 +4965,8 @@
         </p:blipFill>
         <p:spPr bwMode="auto">
           <a:xfrm>
-            <a:off x="2274214" y="1654365"/>
-            <a:ext cx="1604971" cy="1325563"/>
+            <a:off x="1320743" y="1355279"/>
+            <a:ext cx="852829" cy="852829"/>
           </a:xfrm>
           <a:prstGeom prst="rect">
             <a:avLst/>
@@ -3806,12 +4983,48 @@
           </a:extLst>
         </p:spPr>
       </p:pic>
+      <p:sp>
+        <p:nvSpPr>
+          <p:cNvPr id="20" name="TextBox 19">
+            <a:extLst>
+              <a:ext uri="{FF2B5EF4-FFF2-40B4-BE49-F238E27FC236}">
+                <a16:creationId xmlns:a16="http://schemas.microsoft.com/office/drawing/2014/main" id="{1F829938-3326-E11A-9A4E-D666A4EF477B}"/>
+              </a:ext>
+            </a:extLst>
+          </p:cNvPr>
+          <p:cNvSpPr txBox="1"/>
+          <p:nvPr/>
+        </p:nvSpPr>
+        <p:spPr>
+          <a:xfrm>
+            <a:off x="2071971" y="1690688"/>
+            <a:ext cx="616743" cy="369332"/>
+          </a:xfrm>
+          <a:prstGeom prst="rect">
+            <a:avLst/>
+          </a:prstGeom>
+          <a:noFill/>
+        </p:spPr>
+        <p:txBody>
+          <a:bodyPr wrap="square" rtlCol="0">
+            <a:spAutoFit/>
+          </a:bodyPr>
+          <a:lstStyle/>
+          <a:p>
+            <a:pPr algn="ctr"/>
+            <a:r>
+              <a:rPr lang="en-US" dirty="0"/>
+              <a:t>Or</a:t>
+            </a:r>
+          </a:p>
+        </p:txBody>
+      </p:sp>
       <p:pic>
         <p:nvPicPr>
-          <p:cNvPr id="1028" name="Picture 4" descr="SS30L - 製品 ：BIOPAC Systems">
-            <a:extLst>
-              <a:ext uri="{FF2B5EF4-FFF2-40B4-BE49-F238E27FC236}">
-                <a16:creationId xmlns:a16="http://schemas.microsoft.com/office/drawing/2014/main" id="{5AA27D7A-F6B4-14C1-BB1A-D63A32F217F3}"/>
+          <p:cNvPr id="21" name="Picture 4" descr="Digital Stethoscope AI">
+            <a:extLst>
+              <a:ext uri="{FF2B5EF4-FFF2-40B4-BE49-F238E27FC236}">
+                <a16:creationId xmlns:a16="http://schemas.microsoft.com/office/drawing/2014/main" id="{527CDA14-B404-1D86-BB02-E0BBFBC4DCCB}"/>
               </a:ext>
             </a:extLst>
           </p:cNvPr>
@@ -3821,7 +5034,7 @@
           <p:nvPr/>
         </p:nvPicPr>
         <p:blipFill>
-          <a:blip r:embed="rId3">
+          <a:blip r:embed="rId4">
             <a:extLst>
               <a:ext uri="{28A0092B-C50C-407E-A947-70E740481C1C}">
                 <a14:useLocalDpi xmlns:a14="http://schemas.microsoft.com/office/drawing/2010/main" val="0"/>
@@ -3835,8 +5048,8 @@
         </p:blipFill>
         <p:spPr bwMode="auto">
           <a:xfrm>
-            <a:off x="4187587" y="1410308"/>
-            <a:ext cx="1604972" cy="1569620"/>
+            <a:off x="2688714" y="1398807"/>
+            <a:ext cx="1112762" cy="834572"/>
           </a:xfrm>
           <a:prstGeom prst="rect">
             <a:avLst/>
@@ -3855,10 +5068,10 @@
       </p:pic>
       <p:sp>
         <p:nvSpPr>
-          <p:cNvPr id="8" name="TextBox 7">
-            <a:extLst>
-              <a:ext uri="{FF2B5EF4-FFF2-40B4-BE49-F238E27FC236}">
-                <a16:creationId xmlns:a16="http://schemas.microsoft.com/office/drawing/2014/main" id="{DC337224-313E-0EC0-3616-183752E47C37}"/>
+          <p:cNvPr id="22" name="TextBox 21">
+            <a:extLst>
+              <a:ext uri="{FF2B5EF4-FFF2-40B4-BE49-F238E27FC236}">
+                <a16:creationId xmlns:a16="http://schemas.microsoft.com/office/drawing/2014/main" id="{232D7DA1-EBD6-C020-3508-450DBEE88B17}"/>
               </a:ext>
             </a:extLst>
           </p:cNvPr>
@@ -3867,8 +5080,8 @@
         </p:nvSpPr>
         <p:spPr>
           <a:xfrm>
-            <a:off x="7201928" y="1690688"/>
-            <a:ext cx="4253429" cy="1107996"/>
+            <a:off x="1302655" y="3013596"/>
+            <a:ext cx="2155373" cy="369332"/>
           </a:xfrm>
           <a:prstGeom prst="rect">
             <a:avLst/>
@@ -3881,37 +5094,20 @@
           </a:bodyPr>
           <a:lstStyle/>
           <a:p>
-            <a:r>
-              <a:rPr lang="en-US" sz="2200" dirty="0"/>
-              <a:t>Stethoscope is better in term of </a:t>
-            </a:r>
-          </a:p>
-          <a:p>
-            <a:pPr marL="342900" indent="-342900">
-              <a:buAutoNum type="arabicPeriod"/>
-            </a:pPr>
-            <a:r>
-              <a:rPr lang="en-US" sz="2200" dirty="0"/>
-              <a:t>SNR</a:t>
-            </a:r>
-          </a:p>
-          <a:p>
-            <a:pPr marL="342900" indent="-342900">
-              <a:buAutoNum type="arabicPeriod"/>
-            </a:pPr>
-            <a:r>
-              <a:rPr lang="en-US" sz="2200" dirty="0"/>
-              <a:t>Robust to vibration</a:t>
-            </a:r>
-          </a:p>
-        </p:txBody>
-      </p:sp>
-      <p:sp>
-        <p:nvSpPr>
-          <p:cNvPr id="9" name="TextBox 8">
-            <a:extLst>
-              <a:ext uri="{FF2B5EF4-FFF2-40B4-BE49-F238E27FC236}">
-                <a16:creationId xmlns:a16="http://schemas.microsoft.com/office/drawing/2014/main" id="{0E907576-2BE2-6496-B538-BA72EDF95C53}"/>
+            <a:pPr algn="ctr"/>
+            <a:r>
+              <a:rPr lang="en-US" dirty="0"/>
+              <a:t>Version</a:t>
+            </a:r>
+          </a:p>
+        </p:txBody>
+      </p:sp>
+      <p:sp>
+        <p:nvSpPr>
+          <p:cNvPr id="23" name="TextBox 22">
+            <a:extLst>
+              <a:ext uri="{FF2B5EF4-FFF2-40B4-BE49-F238E27FC236}">
+                <a16:creationId xmlns:a16="http://schemas.microsoft.com/office/drawing/2014/main" id="{A9A86FD2-8448-DB89-7A2F-F4BAA54CFE47}"/>
               </a:ext>
             </a:extLst>
           </p:cNvPr>
@@ -3920,8 +5116,8 @@
         </p:nvSpPr>
         <p:spPr>
           <a:xfrm>
-            <a:off x="2188029" y="3087870"/>
-            <a:ext cx="1691156" cy="369332"/>
+            <a:off x="4883204" y="2981625"/>
+            <a:ext cx="2155373" cy="369332"/>
           </a:xfrm>
           <a:prstGeom prst="rect">
             <a:avLst/>
@@ -3936,117 +5132,166 @@
           <a:p>
             <a:pPr algn="ctr"/>
             <a:r>
+              <a:rPr lang="en-US" dirty="0" err="1"/>
+              <a:t>ARSteth</a:t>
+            </a:r>
+            <a:r>
               <a:rPr lang="en-US" dirty="0"/>
-              <a:t>Contact Mic</a:t>
-            </a:r>
-          </a:p>
-        </p:txBody>
-      </p:sp>
-      <p:sp>
-        <p:nvSpPr>
-          <p:cNvPr id="10" name="TextBox 9">
-            <a:extLst>
-              <a:ext uri="{FF2B5EF4-FFF2-40B4-BE49-F238E27FC236}">
-                <a16:creationId xmlns:a16="http://schemas.microsoft.com/office/drawing/2014/main" id="{D0D08341-ED7C-42B2-C6DF-763DB810DE0B}"/>
-              </a:ext>
-            </a:extLst>
-          </p:cNvPr>
-          <p:cNvSpPr txBox="1"/>
+              <a:t> @IPSN’23</a:t>
+            </a:r>
+          </a:p>
+        </p:txBody>
+      </p:sp>
+      <p:pic>
+        <p:nvPicPr>
+          <p:cNvPr id="25" name="Picture 24" descr="A screen shot of a sound wave&#10;&#10;Description automatically generated">
+            <a:extLst>
+              <a:ext uri="{FF2B5EF4-FFF2-40B4-BE49-F238E27FC236}">
+                <a16:creationId xmlns:a16="http://schemas.microsoft.com/office/drawing/2014/main" id="{CF034365-E5EC-FD7E-A647-6DA23FF4B380}"/>
+              </a:ext>
+            </a:extLst>
+          </p:cNvPr>
+          <p:cNvPicPr>
+            <a:picLocks noChangeAspect="1"/>
+          </p:cNvPicPr>
           <p:nvPr/>
-        </p:nvSpPr>
-        <p:spPr>
-          <a:xfrm>
-            <a:off x="4232902" y="3087870"/>
-            <a:ext cx="1691156" cy="369332"/>
+        </p:nvPicPr>
+        <p:blipFill>
+          <a:blip r:embed="rId5">
+            <a:extLst>
+              <a:ext uri="{28A0092B-C50C-407E-A947-70E740481C1C}">
+                <a14:useLocalDpi xmlns:a14="http://schemas.microsoft.com/office/drawing/2010/main" val="0"/>
+              </a:ext>
+            </a:extLst>
+          </a:blip>
+          <a:stretch>
+            <a:fillRect/>
+          </a:stretch>
+        </p:blipFill>
+        <p:spPr>
+          <a:xfrm>
+            <a:off x="166564" y="3425728"/>
+            <a:ext cx="4553345" cy="1611770"/>
           </a:xfrm>
           <a:prstGeom prst="rect">
             <a:avLst/>
           </a:prstGeom>
-          <a:noFill/>
-        </p:spPr>
-        <p:txBody>
-          <a:bodyPr wrap="square" rtlCol="0">
-            <a:spAutoFit/>
-          </a:bodyPr>
-          <a:lstStyle/>
-          <a:p>
-            <a:pPr algn="ctr"/>
-            <a:r>
-              <a:rPr lang="en-US" dirty="0"/>
-              <a:t>Stethoscope</a:t>
-            </a:r>
-          </a:p>
-        </p:txBody>
-      </p:sp>
-    </p:spTree>
-    <p:extLst>
-      <p:ext uri="{BB962C8B-B14F-4D97-AF65-F5344CB8AC3E}">
-        <p14:creationId xmlns:p14="http://schemas.microsoft.com/office/powerpoint/2010/main" val="1926107758"/>
-      </p:ext>
-    </p:extLst>
-  </p:cSld>
-  <p:clrMapOvr>
-    <a:masterClrMapping/>
-  </p:clrMapOvr>
-</p:sld>
-</file>
-
-<file path=ppt/slides/slide5.xml><?xml version="1.0" encoding="utf-8"?>
-<p:sld xmlns:a="http://schemas.openxmlformats.org/drawingml/2006/main" xmlns:r="http://schemas.openxmlformats.org/officeDocument/2006/relationships" xmlns:p="http://schemas.openxmlformats.org/presentationml/2006/main">
-  <p:cSld>
-    <p:spTree>
-      <p:nvGrpSpPr>
-        <p:cNvPr id="1" name=""/>
-        <p:cNvGrpSpPr/>
-        <p:nvPr/>
-      </p:nvGrpSpPr>
-      <p:grpSpPr>
-        <a:xfrm>
-          <a:off x="0" y="0"/>
-          <a:ext cx="0" cy="0"/>
-          <a:chOff x="0" y="0"/>
-          <a:chExt cx="0" cy="0"/>
-        </a:xfrm>
-      </p:grpSpPr>
-      <p:sp>
-        <p:nvSpPr>
-          <p:cNvPr id="2" name="Title 1">
-            <a:extLst>
-              <a:ext uri="{FF2B5EF4-FFF2-40B4-BE49-F238E27FC236}">
-                <a16:creationId xmlns:a16="http://schemas.microsoft.com/office/drawing/2014/main" id="{85FD8A4E-C5AD-64BA-4464-B8330C210C17}"/>
-              </a:ext>
-            </a:extLst>
-          </p:cNvPr>
-          <p:cNvSpPr>
-            <a:spLocks noGrp="1"/>
-          </p:cNvSpPr>
-          <p:nvPr>
-            <p:ph type="title"/>
-          </p:nvPr>
-        </p:nvSpPr>
-        <p:spPr/>
-        <p:txBody>
-          <a:bodyPr/>
-          <a:lstStyle/>
-          <a:p>
-            <a:r>
-              <a:rPr lang="en-US" dirty="0"/>
-              <a:t>Animal </a:t>
-            </a:r>
-            <a:r>
-              <a:rPr lang="en-US" altLang="zh-CN" dirty="0"/>
-              <a:t>Vital signs</a:t>
-            </a:r>
-            <a:endParaRPr lang="en-US" dirty="0"/>
-          </a:p>
-        </p:txBody>
-      </p:sp>
+        </p:spPr>
+      </p:pic>
       <p:pic>
         <p:nvPicPr>
-          <p:cNvPr id="1026" name="Picture 2">
-            <a:extLst>
-              <a:ext uri="{FF2B5EF4-FFF2-40B4-BE49-F238E27FC236}">
-                <a16:creationId xmlns:a16="http://schemas.microsoft.com/office/drawing/2014/main" id="{1B8F4271-051F-DD74-4548-01AA1817F024}"/>
+          <p:cNvPr id="27" name="Picture 26" descr="A screen shot of a sound wave&#10;&#10;Description automatically generated">
+            <a:extLst>
+              <a:ext uri="{FF2B5EF4-FFF2-40B4-BE49-F238E27FC236}">
+                <a16:creationId xmlns:a16="http://schemas.microsoft.com/office/drawing/2014/main" id="{4F82D46C-5F3B-E59A-DBC4-7C0DADB5E527}"/>
+              </a:ext>
+            </a:extLst>
+          </p:cNvPr>
+          <p:cNvPicPr>
+            <a:picLocks noChangeAspect="1"/>
+          </p:cNvPicPr>
+          <p:nvPr/>
+        </p:nvPicPr>
+        <p:blipFill>
+          <a:blip r:embed="rId6">
+            <a:extLst>
+              <a:ext uri="{28A0092B-C50C-407E-A947-70E740481C1C}">
+                <a14:useLocalDpi xmlns:a14="http://schemas.microsoft.com/office/drawing/2010/main" val="0"/>
+              </a:ext>
+            </a:extLst>
+          </a:blip>
+          <a:stretch>
+            <a:fillRect/>
+          </a:stretch>
+        </p:blipFill>
+        <p:spPr>
+          <a:xfrm>
+            <a:off x="166565" y="5091730"/>
+            <a:ext cx="4553345" cy="1600339"/>
+          </a:xfrm>
+          <a:prstGeom prst="rect">
+            <a:avLst/>
+          </a:prstGeom>
+        </p:spPr>
+      </p:pic>
+      <p:pic>
+        <p:nvPicPr>
+          <p:cNvPr id="29" name="Picture 28" descr="A close-up of a screen&#10;&#10;Description automatically generated">
+            <a:extLst>
+              <a:ext uri="{FF2B5EF4-FFF2-40B4-BE49-F238E27FC236}">
+                <a16:creationId xmlns:a16="http://schemas.microsoft.com/office/drawing/2014/main" id="{7681D141-30FB-F924-360C-1828BFDCCE61}"/>
+              </a:ext>
+            </a:extLst>
+          </p:cNvPr>
+          <p:cNvPicPr>
+            <a:picLocks noChangeAspect="1"/>
+          </p:cNvPicPr>
+          <p:nvPr/>
+        </p:nvPicPr>
+        <p:blipFill>
+          <a:blip r:embed="rId7">
+            <a:extLst>
+              <a:ext uri="{28A0092B-C50C-407E-A947-70E740481C1C}">
+                <a14:useLocalDpi xmlns:a14="http://schemas.microsoft.com/office/drawing/2010/main" val="0"/>
+              </a:ext>
+            </a:extLst>
+          </a:blip>
+          <a:stretch>
+            <a:fillRect/>
+          </a:stretch>
+        </p:blipFill>
+        <p:spPr>
+          <a:xfrm>
+            <a:off x="4817477" y="3425728"/>
+            <a:ext cx="4518591" cy="1615580"/>
+          </a:xfrm>
+          <a:prstGeom prst="rect">
+            <a:avLst/>
+          </a:prstGeom>
+        </p:spPr>
+      </p:pic>
+      <p:pic>
+        <p:nvPicPr>
+          <p:cNvPr id="31" name="Picture 30" descr="A close-up of a screen&#10;&#10;Description automatically generated">
+            <a:extLst>
+              <a:ext uri="{FF2B5EF4-FFF2-40B4-BE49-F238E27FC236}">
+                <a16:creationId xmlns:a16="http://schemas.microsoft.com/office/drawing/2014/main" id="{CD581351-2FC7-F18A-1925-BE0BBDF175B9}"/>
+              </a:ext>
+            </a:extLst>
+          </p:cNvPr>
+          <p:cNvPicPr>
+            <a:picLocks noChangeAspect="1"/>
+          </p:cNvPicPr>
+          <p:nvPr/>
+        </p:nvPicPr>
+        <p:blipFill>
+          <a:blip r:embed="rId8">
+            <a:extLst>
+              <a:ext uri="{28A0092B-C50C-407E-A947-70E740481C1C}">
+                <a14:useLocalDpi xmlns:a14="http://schemas.microsoft.com/office/drawing/2010/main" val="0"/>
+              </a:ext>
+            </a:extLst>
+          </a:blip>
+          <a:stretch>
+            <a:fillRect/>
+          </a:stretch>
+        </p:blipFill>
+        <p:spPr>
+          <a:xfrm>
+            <a:off x="4778913" y="5068868"/>
+            <a:ext cx="4557155" cy="1623201"/>
+          </a:xfrm>
+          <a:prstGeom prst="rect">
+            <a:avLst/>
+          </a:prstGeom>
+        </p:spPr>
+      </p:pic>
+      <p:pic>
+        <p:nvPicPr>
+          <p:cNvPr id="1026" name="Picture 2" descr="帮助问号- 用户界面和手势图标">
+            <a:extLst>
+              <a:ext uri="{FF2B5EF4-FFF2-40B4-BE49-F238E27FC236}">
+                <a16:creationId xmlns:a16="http://schemas.microsoft.com/office/drawing/2014/main" id="{88834C08-00F3-FA9B-141A-187EDA6BC392}"/>
               </a:ext>
             </a:extLst>
           </p:cNvPr>
@@ -4056,7 +5301,7 @@
           <p:nvPr/>
         </p:nvPicPr>
         <p:blipFill>
-          <a:blip r:embed="rId2">
+          <a:blip r:embed="rId9">
             <a:extLst>
               <a:ext uri="{28A0092B-C50C-407E-A947-70E740481C1C}">
                 <a14:useLocalDpi xmlns:a14="http://schemas.microsoft.com/office/drawing/2010/main" val="0"/>
@@ -4070,8 +5315,8 @@
         </p:blipFill>
         <p:spPr bwMode="auto">
           <a:xfrm>
-            <a:off x="3636974" y="1771245"/>
-            <a:ext cx="1144836" cy="1526447"/>
+            <a:off x="7840253" y="1649694"/>
+            <a:ext cx="1052884" cy="1052884"/>
           </a:xfrm>
           <a:prstGeom prst="rect">
             <a:avLst/>
@@ -4088,589 +5333,95 @@
           </a:extLst>
         </p:spPr>
       </p:pic>
-      <p:pic>
-        <p:nvPicPr>
-          <p:cNvPr id="5" name="Picture 4" descr="A close-up of a device&#10;&#10;Description automatically generated">
-            <a:extLst>
-              <a:ext uri="{FF2B5EF4-FFF2-40B4-BE49-F238E27FC236}">
-                <a16:creationId xmlns:a16="http://schemas.microsoft.com/office/drawing/2014/main" id="{F1662729-C072-7FF1-A3AE-E2E99830AF49}"/>
-              </a:ext>
-            </a:extLst>
-          </p:cNvPr>
-          <p:cNvPicPr>
-            <a:picLocks noChangeAspect="1"/>
-          </p:cNvPicPr>
+      <p:cxnSp>
+        <p:nvCxnSpPr>
+          <p:cNvPr id="35" name="Straight Arrow Connector 34">
+            <a:extLst>
+              <a:ext uri="{FF2B5EF4-FFF2-40B4-BE49-F238E27FC236}">
+                <a16:creationId xmlns:a16="http://schemas.microsoft.com/office/drawing/2014/main" id="{3234EEB2-0F0C-EDA2-D5C1-B6EC89B45C1C}"/>
+              </a:ext>
+            </a:extLst>
+          </p:cNvPr>
+          <p:cNvCxnSpPr>
+            <a:cxnSpLocks/>
+            <a:endCxn id="18" idx="1"/>
+          </p:cNvCxnSpPr>
           <p:nvPr/>
-        </p:nvPicPr>
-        <p:blipFill>
-          <a:blip r:embed="rId3">
-            <a:extLst>
-              <a:ext uri="{28A0092B-C50C-407E-A947-70E740481C1C}">
-                <a14:useLocalDpi xmlns:a14="http://schemas.microsoft.com/office/drawing/2010/main" val="0"/>
-              </a:ext>
-            </a:extLst>
-          </a:blip>
-          <a:stretch>
-            <a:fillRect/>
-          </a:stretch>
-        </p:blipFill>
-        <p:spPr>
-          <a:xfrm>
-            <a:off x="7755648" y="3234522"/>
-            <a:ext cx="2086456" cy="1376173"/>
-          </a:xfrm>
-          <a:prstGeom prst="rect">
+        </p:nvCxnSpPr>
+        <p:spPr>
+          <a:xfrm>
+            <a:off x="4005943" y="2176137"/>
+            <a:ext cx="1148469" cy="0"/>
+          </a:xfrm>
+          <a:prstGeom prst="straightConnector1">
             <a:avLst/>
           </a:prstGeom>
-        </p:spPr>
-      </p:pic>
-      <p:pic>
-        <p:nvPicPr>
-          <p:cNvPr id="7" name="Picture 6" descr="A person working on a machine&#10;&#10;Description automatically generated">
-            <a:extLst>
-              <a:ext uri="{FF2B5EF4-FFF2-40B4-BE49-F238E27FC236}">
-                <a16:creationId xmlns:a16="http://schemas.microsoft.com/office/drawing/2014/main" id="{566AC54B-9CBC-EF5D-411A-3F63E77CDB85}"/>
-              </a:ext>
-            </a:extLst>
-          </p:cNvPr>
-          <p:cNvPicPr>
-            <a:picLocks noChangeAspect="1"/>
-          </p:cNvPicPr>
+          <a:ln>
+            <a:tailEnd type="triangle"/>
+          </a:ln>
+        </p:spPr>
+        <p:style>
+          <a:lnRef idx="2">
+            <a:schemeClr val="accent1"/>
+          </a:lnRef>
+          <a:fillRef idx="0">
+            <a:schemeClr val="accent1"/>
+          </a:fillRef>
+          <a:effectRef idx="1">
+            <a:schemeClr val="accent1"/>
+          </a:effectRef>
+          <a:fontRef idx="minor">
+            <a:schemeClr val="tx1"/>
+          </a:fontRef>
+        </p:style>
+      </p:cxnSp>
+      <p:cxnSp>
+        <p:nvCxnSpPr>
+          <p:cNvPr id="37" name="Straight Arrow Connector 36">
+            <a:extLst>
+              <a:ext uri="{FF2B5EF4-FFF2-40B4-BE49-F238E27FC236}">
+                <a16:creationId xmlns:a16="http://schemas.microsoft.com/office/drawing/2014/main" id="{F6672678-7FA0-8450-0914-7A10522B97C6}"/>
+              </a:ext>
+            </a:extLst>
+          </p:cNvPr>
+          <p:cNvCxnSpPr>
+            <a:cxnSpLocks/>
+            <a:stCxn id="18" idx="3"/>
+            <a:endCxn id="1026" idx="1"/>
+          </p:cNvCxnSpPr>
           <p:nvPr/>
-        </p:nvPicPr>
-        <p:blipFill rotWithShape="1">
-          <a:blip r:embed="rId4">
-            <a:extLst>
-              <a:ext uri="{28A0092B-C50C-407E-A947-70E740481C1C}">
-                <a14:useLocalDpi xmlns:a14="http://schemas.microsoft.com/office/drawing/2010/main" val="0"/>
-              </a:ext>
-            </a:extLst>
-          </a:blip>
-          <a:srcRect l="46217"/>
-          <a:stretch/>
-        </p:blipFill>
-        <p:spPr>
-          <a:xfrm>
-            <a:off x="1131233" y="1888953"/>
-            <a:ext cx="2149972" cy="1408739"/>
-          </a:xfrm>
-          <a:prstGeom prst="rect">
+        </p:nvCxnSpPr>
+        <p:spPr>
+          <a:xfrm flipV="1">
+            <a:off x="6767371" y="2176136"/>
+            <a:ext cx="1072882" cy="1"/>
+          </a:xfrm>
+          <a:prstGeom prst="straightConnector1">
             <a:avLst/>
           </a:prstGeom>
-        </p:spPr>
-      </p:pic>
-      <p:sp>
-        <p:nvSpPr>
-          <p:cNvPr id="9" name="TextBox 8">
-            <a:extLst>
-              <a:ext uri="{FF2B5EF4-FFF2-40B4-BE49-F238E27FC236}">
-                <a16:creationId xmlns:a16="http://schemas.microsoft.com/office/drawing/2014/main" id="{F4527F4F-68D3-17BF-819A-0D7A699B16CC}"/>
-              </a:ext>
-            </a:extLst>
-          </p:cNvPr>
-          <p:cNvSpPr txBox="1"/>
-          <p:nvPr/>
-        </p:nvSpPr>
-        <p:spPr>
-          <a:xfrm>
-            <a:off x="2946648" y="1204838"/>
-            <a:ext cx="1426029" cy="461665"/>
-          </a:xfrm>
-          <a:prstGeom prst="rect">
-            <a:avLst/>
-          </a:prstGeom>
-          <a:noFill/>
-        </p:spPr>
-        <p:txBody>
-          <a:bodyPr wrap="square" rtlCol="0">
-            <a:spAutoFit/>
-          </a:bodyPr>
-          <a:lstStyle/>
-          <a:p>
-            <a:pPr algn="ctr"/>
-            <a:r>
-              <a:rPr lang="en-US" sz="2400" dirty="0"/>
-              <a:t>HR</a:t>
-            </a:r>
-          </a:p>
-        </p:txBody>
-      </p:sp>
-      <p:sp>
-        <p:nvSpPr>
-          <p:cNvPr id="10" name="TextBox 9">
-            <a:extLst>
-              <a:ext uri="{FF2B5EF4-FFF2-40B4-BE49-F238E27FC236}">
-                <a16:creationId xmlns:a16="http://schemas.microsoft.com/office/drawing/2014/main" id="{C15C57FC-F593-F740-0822-64BDEA994B20}"/>
-              </a:ext>
-            </a:extLst>
-          </p:cNvPr>
-          <p:cNvSpPr txBox="1"/>
-          <p:nvPr/>
-        </p:nvSpPr>
-        <p:spPr>
-          <a:xfrm>
-            <a:off x="7970320" y="1204838"/>
-            <a:ext cx="1639940" cy="461665"/>
-          </a:xfrm>
-          <a:prstGeom prst="rect">
-            <a:avLst/>
-          </a:prstGeom>
-          <a:noFill/>
-        </p:spPr>
-        <p:txBody>
-          <a:bodyPr wrap="square" rtlCol="0">
-            <a:spAutoFit/>
-          </a:bodyPr>
-          <a:lstStyle/>
-          <a:p>
-            <a:pPr algn="ctr"/>
-            <a:r>
-              <a:rPr lang="en-US" sz="2400" dirty="0"/>
-              <a:t>RR</a:t>
-            </a:r>
-          </a:p>
-        </p:txBody>
-      </p:sp>
-      <p:sp>
-        <p:nvSpPr>
-          <p:cNvPr id="11" name="TextBox 10">
-            <a:extLst>
-              <a:ext uri="{FF2B5EF4-FFF2-40B4-BE49-F238E27FC236}">
-                <a16:creationId xmlns:a16="http://schemas.microsoft.com/office/drawing/2014/main" id="{E0DEF37F-09D3-85FA-41A6-C49938684653}"/>
-              </a:ext>
-            </a:extLst>
-          </p:cNvPr>
-          <p:cNvSpPr txBox="1"/>
-          <p:nvPr/>
-        </p:nvSpPr>
-        <p:spPr>
-          <a:xfrm>
-            <a:off x="9815633" y="3753198"/>
-            <a:ext cx="1864181" cy="369332"/>
-          </a:xfrm>
-          <a:prstGeom prst="rect">
-            <a:avLst/>
-          </a:prstGeom>
-          <a:noFill/>
-        </p:spPr>
-        <p:txBody>
-          <a:bodyPr wrap="square" rtlCol="0">
-            <a:spAutoFit/>
-          </a:bodyPr>
-          <a:lstStyle/>
-          <a:p>
-            <a:r>
-              <a:rPr lang="en-US" dirty="0"/>
-              <a:t>Chest-band RR</a:t>
-            </a:r>
-          </a:p>
-        </p:txBody>
-      </p:sp>
-      <p:pic>
-        <p:nvPicPr>
-          <p:cNvPr id="1042" name="Picture 18" descr="Camera Icon Vector Art, Icons, and Graphics for Free Download">
-            <a:extLst>
-              <a:ext uri="{FF2B5EF4-FFF2-40B4-BE49-F238E27FC236}">
-                <a16:creationId xmlns:a16="http://schemas.microsoft.com/office/drawing/2014/main" id="{27B16753-9CE0-F208-C2E1-4AA206556462}"/>
-              </a:ext>
-            </a:extLst>
-          </p:cNvPr>
-          <p:cNvPicPr>
-            <a:picLocks noChangeAspect="1" noChangeArrowheads="1"/>
-          </p:cNvPicPr>
-          <p:nvPr/>
-        </p:nvPicPr>
-        <p:blipFill>
-          <a:blip r:embed="rId5">
-            <a:extLst>
-              <a:ext uri="{28A0092B-C50C-407E-A947-70E740481C1C}">
-                <a14:useLocalDpi xmlns:a14="http://schemas.microsoft.com/office/drawing/2010/main" val="0"/>
-              </a:ext>
-            </a:extLst>
-          </a:blip>
-          <a:srcRect/>
-          <a:stretch>
-            <a:fillRect/>
-          </a:stretch>
-        </p:blipFill>
-        <p:spPr bwMode="auto">
-          <a:xfrm>
-            <a:off x="8632049" y="1775722"/>
-            <a:ext cx="1458800" cy="1458800"/>
-          </a:xfrm>
-          <a:prstGeom prst="rect">
-            <a:avLst/>
-          </a:prstGeom>
-          <a:noFill/>
-          <a:extLst>
-            <a:ext uri="{909E8E84-426E-40DD-AFC4-6F175D3DCCD1}">
-              <a14:hiddenFill xmlns:a14="http://schemas.microsoft.com/office/drawing/2010/main">
-                <a:solidFill>
-                  <a:srgbClr val="FFFFFF"/>
-                </a:solidFill>
-              </a14:hiddenFill>
-            </a:ext>
-          </a:extLst>
-        </p:spPr>
-      </p:pic>
-      <p:pic>
-        <p:nvPicPr>
-          <p:cNvPr id="1044" name="Picture 20" descr="Web camera - Free web icons">
-            <a:extLst>
-              <a:ext uri="{FF2B5EF4-FFF2-40B4-BE49-F238E27FC236}">
-                <a16:creationId xmlns:a16="http://schemas.microsoft.com/office/drawing/2014/main" id="{358E91FA-6B77-78D1-FBC4-85BDE3159556}"/>
-              </a:ext>
-            </a:extLst>
-          </p:cNvPr>
-          <p:cNvPicPr>
-            <a:picLocks noChangeAspect="1" noChangeArrowheads="1"/>
-          </p:cNvPicPr>
-          <p:nvPr/>
-        </p:nvPicPr>
-        <p:blipFill>
-          <a:blip r:embed="rId6">
-            <a:extLst>
-              <a:ext uri="{28A0092B-C50C-407E-A947-70E740481C1C}">
-                <a14:useLocalDpi xmlns:a14="http://schemas.microsoft.com/office/drawing/2010/main" val="0"/>
-              </a:ext>
-            </a:extLst>
-          </a:blip>
-          <a:srcRect/>
-          <a:stretch>
-            <a:fillRect/>
-          </a:stretch>
-        </p:blipFill>
-        <p:spPr bwMode="auto">
-          <a:xfrm>
-            <a:off x="7625228" y="2033619"/>
-            <a:ext cx="1006821" cy="1006821"/>
-          </a:xfrm>
-          <a:prstGeom prst="rect">
-            <a:avLst/>
-          </a:prstGeom>
-          <a:noFill/>
-          <a:extLst>
-            <a:ext uri="{909E8E84-426E-40DD-AFC4-6F175D3DCCD1}">
-              <a14:hiddenFill xmlns:a14="http://schemas.microsoft.com/office/drawing/2010/main">
-                <a:solidFill>
-                  <a:srgbClr val="FFFFFF"/>
-                </a:solidFill>
-              </a14:hiddenFill>
-            </a:ext>
-          </a:extLst>
-        </p:spPr>
-      </p:pic>
-      <p:sp>
-        <p:nvSpPr>
-          <p:cNvPr id="16" name="TextBox 15">
-            <a:extLst>
-              <a:ext uri="{FF2B5EF4-FFF2-40B4-BE49-F238E27FC236}">
-                <a16:creationId xmlns:a16="http://schemas.microsoft.com/office/drawing/2014/main" id="{978BCA29-719E-61A8-E5AE-924470015812}"/>
-              </a:ext>
-            </a:extLst>
-          </p:cNvPr>
-          <p:cNvSpPr txBox="1"/>
-          <p:nvPr/>
-        </p:nvSpPr>
-        <p:spPr>
-          <a:xfrm>
-            <a:off x="9815633" y="2352363"/>
-            <a:ext cx="1864181" cy="369332"/>
-          </a:xfrm>
-          <a:prstGeom prst="rect">
-            <a:avLst/>
-          </a:prstGeom>
-          <a:noFill/>
-        </p:spPr>
-        <p:txBody>
-          <a:bodyPr wrap="square" rtlCol="0">
-            <a:spAutoFit/>
-          </a:bodyPr>
-          <a:lstStyle/>
-          <a:p>
-            <a:r>
-              <a:rPr lang="en-US" dirty="0"/>
-              <a:t>Vision RR</a:t>
-            </a:r>
-          </a:p>
-        </p:txBody>
-      </p:sp>
-      <p:sp>
-        <p:nvSpPr>
-          <p:cNvPr id="6" name="TextBox 5">
-            <a:extLst>
-              <a:ext uri="{FF2B5EF4-FFF2-40B4-BE49-F238E27FC236}">
-                <a16:creationId xmlns:a16="http://schemas.microsoft.com/office/drawing/2014/main" id="{8353CE18-2725-DC14-ADD6-EEC674A87332}"/>
-              </a:ext>
-            </a:extLst>
-          </p:cNvPr>
-          <p:cNvSpPr txBox="1"/>
-          <p:nvPr/>
-        </p:nvSpPr>
-        <p:spPr>
-          <a:xfrm>
-            <a:off x="4481425" y="2369150"/>
-            <a:ext cx="1699518" cy="369332"/>
-          </a:xfrm>
-          <a:prstGeom prst="rect">
-            <a:avLst/>
-          </a:prstGeom>
-          <a:noFill/>
-        </p:spPr>
-        <p:txBody>
-          <a:bodyPr wrap="square" rtlCol="0">
-            <a:spAutoFit/>
-          </a:bodyPr>
-          <a:lstStyle/>
-          <a:p>
-            <a:r>
-              <a:rPr lang="en-US" dirty="0"/>
-              <a:t>P</a:t>
-            </a:r>
-            <a:r>
-              <a:rPr lang="en-US" altLang="zh-CN" dirty="0"/>
-              <a:t>ulse </a:t>
-            </a:r>
-            <a:r>
-              <a:rPr lang="en-US" dirty="0"/>
-              <a:t>oximeter</a:t>
-            </a:r>
-          </a:p>
-        </p:txBody>
-      </p:sp>
-      <p:pic>
-        <p:nvPicPr>
-          <p:cNvPr id="17" name="Picture 16" descr="A device with a cable attached to it&#10;&#10;Description automatically generated">
-            <a:extLst>
-              <a:ext uri="{FF2B5EF4-FFF2-40B4-BE49-F238E27FC236}">
-                <a16:creationId xmlns:a16="http://schemas.microsoft.com/office/drawing/2014/main" id="{1D52AB8D-4DF0-6C15-A4A8-F07AAE20676D}"/>
-              </a:ext>
-            </a:extLst>
-          </p:cNvPr>
-          <p:cNvPicPr>
-            <a:picLocks noChangeAspect="1"/>
-          </p:cNvPicPr>
-          <p:nvPr/>
-        </p:nvPicPr>
-        <p:blipFill>
-          <a:blip r:embed="rId7">
-            <a:extLst>
-              <a:ext uri="{28A0092B-C50C-407E-A947-70E740481C1C}">
-                <a14:useLocalDpi xmlns:a14="http://schemas.microsoft.com/office/drawing/2010/main" val="0"/>
-              </a:ext>
-            </a:extLst>
-          </a:blip>
-          <a:stretch>
-            <a:fillRect/>
-          </a:stretch>
-        </p:blipFill>
-        <p:spPr>
-          <a:xfrm>
-            <a:off x="2206219" y="3423059"/>
-            <a:ext cx="1699519" cy="1399343"/>
-          </a:xfrm>
-          <a:prstGeom prst="rect">
-            <a:avLst/>
-          </a:prstGeom>
-        </p:spPr>
-      </p:pic>
-      <p:sp>
-        <p:nvSpPr>
-          <p:cNvPr id="19" name="TextBox 18">
-            <a:extLst>
-              <a:ext uri="{FF2B5EF4-FFF2-40B4-BE49-F238E27FC236}">
-                <a16:creationId xmlns:a16="http://schemas.microsoft.com/office/drawing/2014/main" id="{964B9388-E1A8-32A4-8596-89B78F10AE4A}"/>
-              </a:ext>
-            </a:extLst>
-          </p:cNvPr>
-          <p:cNvSpPr txBox="1"/>
-          <p:nvPr/>
-        </p:nvSpPr>
-        <p:spPr>
-          <a:xfrm>
-            <a:off x="4484752" y="3922608"/>
-            <a:ext cx="1699518" cy="369332"/>
-          </a:xfrm>
-          <a:prstGeom prst="rect">
-            <a:avLst/>
-          </a:prstGeom>
-          <a:noFill/>
-        </p:spPr>
-        <p:txBody>
-          <a:bodyPr wrap="square" rtlCol="0">
-            <a:spAutoFit/>
-          </a:bodyPr>
-          <a:lstStyle/>
-          <a:p>
-            <a:r>
-              <a:rPr lang="en-US" dirty="0"/>
-              <a:t>PPG sensor</a:t>
-            </a:r>
-          </a:p>
-        </p:txBody>
-      </p:sp>
-      <p:pic>
-        <p:nvPicPr>
-          <p:cNvPr id="21" name="Picture 20" descr="A close-up of a device&#10;&#10;Description automatically generated">
-            <a:extLst>
-              <a:ext uri="{FF2B5EF4-FFF2-40B4-BE49-F238E27FC236}">
-                <a16:creationId xmlns:a16="http://schemas.microsoft.com/office/drawing/2014/main" id="{9EB4B5AE-4640-998C-1F2E-0A9F09D7C5D6}"/>
-              </a:ext>
-            </a:extLst>
-          </p:cNvPr>
-          <p:cNvPicPr>
-            <a:picLocks noChangeAspect="1"/>
-          </p:cNvPicPr>
-          <p:nvPr/>
-        </p:nvPicPr>
-        <p:blipFill>
-          <a:blip r:embed="rId8">
-            <a:extLst>
-              <a:ext uri="{28A0092B-C50C-407E-A947-70E740481C1C}">
-                <a14:useLocalDpi xmlns:a14="http://schemas.microsoft.com/office/drawing/2010/main" val="0"/>
-              </a:ext>
-            </a:extLst>
-          </a:blip>
-          <a:stretch>
-            <a:fillRect/>
-          </a:stretch>
-        </p:blipFill>
-        <p:spPr>
-          <a:xfrm>
-            <a:off x="1745624" y="4872916"/>
-            <a:ext cx="2319598" cy="1836122"/>
-          </a:xfrm>
-          <a:prstGeom prst="rect">
-            <a:avLst/>
-          </a:prstGeom>
-        </p:spPr>
-      </p:pic>
-      <p:sp>
-        <p:nvSpPr>
-          <p:cNvPr id="22" name="TextBox 21">
-            <a:extLst>
-              <a:ext uri="{FF2B5EF4-FFF2-40B4-BE49-F238E27FC236}">
-                <a16:creationId xmlns:a16="http://schemas.microsoft.com/office/drawing/2014/main" id="{975D3E69-9547-35A7-97F1-A98105AFE822}"/>
-              </a:ext>
-            </a:extLst>
-          </p:cNvPr>
-          <p:cNvSpPr txBox="1"/>
-          <p:nvPr/>
-        </p:nvSpPr>
-        <p:spPr>
-          <a:xfrm>
-            <a:off x="4481425" y="5641021"/>
-            <a:ext cx="2569144" cy="369332"/>
-          </a:xfrm>
-          <a:prstGeom prst="rect">
-            <a:avLst/>
-          </a:prstGeom>
-          <a:noFill/>
-        </p:spPr>
-        <p:txBody>
-          <a:bodyPr wrap="square" rtlCol="0">
-            <a:spAutoFit/>
-          </a:bodyPr>
-          <a:lstStyle/>
-          <a:p>
-            <a:r>
-              <a:rPr lang="en-US" dirty="0"/>
-              <a:t>ECG (golden standard)</a:t>
-            </a:r>
-          </a:p>
-        </p:txBody>
-      </p:sp>
+          <a:ln>
+            <a:tailEnd type="triangle"/>
+          </a:ln>
+        </p:spPr>
+        <p:style>
+          <a:lnRef idx="2">
+            <a:schemeClr val="accent1"/>
+          </a:lnRef>
+          <a:fillRef idx="0">
+            <a:schemeClr val="accent1"/>
+          </a:fillRef>
+          <a:effectRef idx="1">
+            <a:schemeClr val="accent1"/>
+          </a:effectRef>
+          <a:fontRef idx="minor">
+            <a:schemeClr val="tx1"/>
+          </a:fontRef>
+        </p:style>
+      </p:cxnSp>
     </p:spTree>
     <p:extLst>
       <p:ext uri="{BB962C8B-B14F-4D97-AF65-F5344CB8AC3E}">
-        <p14:creationId xmlns:p14="http://schemas.microsoft.com/office/powerpoint/2010/main" val="1977721976"/>
-      </p:ext>
-    </p:extLst>
-  </p:cSld>
-  <p:clrMapOvr>
-    <a:masterClrMapping/>
-  </p:clrMapOvr>
-</p:sld>
-</file>
-
-<file path=ppt/slides/slide6.xml><?xml version="1.0" encoding="utf-8"?>
-<p:sld xmlns:a="http://schemas.openxmlformats.org/drawingml/2006/main" xmlns:r="http://schemas.openxmlformats.org/officeDocument/2006/relationships" xmlns:p="http://schemas.openxmlformats.org/presentationml/2006/main">
-  <p:cSld>
-    <p:spTree>
-      <p:nvGrpSpPr>
-        <p:cNvPr id="1" name=""/>
-        <p:cNvGrpSpPr/>
-        <p:nvPr/>
-      </p:nvGrpSpPr>
-      <p:grpSpPr>
-        <a:xfrm>
-          <a:off x="0" y="0"/>
-          <a:ext cx="0" cy="0"/>
-          <a:chOff x="0" y="0"/>
-          <a:chExt cx="0" cy="0"/>
-        </a:xfrm>
-      </p:grpSpPr>
-      <p:sp>
-        <p:nvSpPr>
-          <p:cNvPr id="2" name="Title 1">
-            <a:extLst>
-              <a:ext uri="{FF2B5EF4-FFF2-40B4-BE49-F238E27FC236}">
-                <a16:creationId xmlns:a16="http://schemas.microsoft.com/office/drawing/2014/main" id="{B82AF7AF-21F8-57B0-628E-8660392F9B54}"/>
-              </a:ext>
-            </a:extLst>
-          </p:cNvPr>
-          <p:cNvSpPr>
-            <a:spLocks noGrp="1"/>
-          </p:cNvSpPr>
-          <p:nvPr>
-            <p:ph type="title"/>
-          </p:nvPr>
-        </p:nvSpPr>
-        <p:spPr/>
-        <p:txBody>
-          <a:bodyPr/>
-          <a:lstStyle/>
-          <a:p>
-            <a:r>
-              <a:rPr lang="en-US" dirty="0"/>
-              <a:t>Stethoscope </a:t>
-            </a:r>
-            <a:r>
-              <a:rPr lang="en-US"/>
-              <a:t>on smartphone</a:t>
-            </a:r>
-          </a:p>
-        </p:txBody>
-      </p:sp>
-      <p:sp>
-        <p:nvSpPr>
-          <p:cNvPr id="3" name="Content Placeholder 2">
-            <a:extLst>
-              <a:ext uri="{FF2B5EF4-FFF2-40B4-BE49-F238E27FC236}">
-                <a16:creationId xmlns:a16="http://schemas.microsoft.com/office/drawing/2014/main" id="{A63ADB7C-E23D-9080-298C-741666E4EE95}"/>
-              </a:ext>
-            </a:extLst>
-          </p:cNvPr>
-          <p:cNvSpPr>
-            <a:spLocks noGrp="1"/>
-          </p:cNvSpPr>
-          <p:nvPr>
-            <p:ph idx="1"/>
-          </p:nvPr>
-        </p:nvSpPr>
-        <p:spPr/>
-        <p:txBody>
-          <a:bodyPr/>
-          <a:lstStyle/>
-          <a:p>
-            <a:endParaRPr lang="en-US"/>
-          </a:p>
-        </p:txBody>
-      </p:sp>
-    </p:spTree>
-    <p:extLst>
-      <p:ext uri="{BB962C8B-B14F-4D97-AF65-F5344CB8AC3E}">
-        <p14:creationId xmlns:p14="http://schemas.microsoft.com/office/powerpoint/2010/main" val="3476191028"/>
+        <p14:creationId xmlns:p14="http://schemas.microsoft.com/office/powerpoint/2010/main" val="3507456236"/>
       </p:ext>
     </p:extLst>
   </p:cSld>
